--- a/fall15/slidesF15/RingZn.pptx
+++ b/fall15/slidesF15/RingZn.pptx
@@ -5361,7 +5361,7 @@
           <a:graphicData uri="http://schemas.openxmlformats.org/presentationml/2006/ole">
             <mc:AlternateContent xmlns:mc="http://schemas.openxmlformats.org/markup-compatibility/2006">
               <mc:Choice xmlns:v="urn:schemas-microsoft-com:vml" Requires="v">
-                <p:oleObj spid="_x0000_s5142" name="Equation" r:id="rId4" imgW="203200" imgH="292100" progId="Equation.DSMT4">
+                <p:oleObj spid="_x0000_s5145" name="Equation" r:id="rId4" imgW="203200" imgH="292100" progId="Equation.DSMT4">
                   <p:embed/>
                 </p:oleObj>
               </mc:Choice>
@@ -5496,7 +5496,7 @@
           <a:graphicData uri="http://schemas.openxmlformats.org/presentationml/2006/ole">
             <mc:AlternateContent xmlns:mc="http://schemas.openxmlformats.org/markup-compatibility/2006">
               <mc:Choice xmlns:v="urn:schemas-microsoft-com:vml" Requires="v">
-                <p:oleObj spid="_x0000_s14408" name="Equation" r:id="rId4" imgW="139700" imgH="215900" progId="Equation.DSMT4">
+                <p:oleObj spid="_x0000_s14415" name="Equation" r:id="rId4" imgW="139700" imgH="215900" progId="Equation.DSMT4">
                   <p:embed/>
                 </p:oleObj>
               </mc:Choice>
@@ -5553,7 +5553,7 @@
           <a:graphicData uri="http://schemas.openxmlformats.org/presentationml/2006/ole">
             <mc:AlternateContent xmlns:mc="http://schemas.openxmlformats.org/markup-compatibility/2006">
               <mc:Choice xmlns:v="urn:schemas-microsoft-com:vml" Requires="v">
-                <p:oleObj spid="_x0000_s14409" name="Equation" r:id="rId6" imgW="1257300" imgH="292100" progId="Equation.DSMT4">
+                <p:oleObj spid="_x0000_s14416" name="Equation" r:id="rId6" imgW="1257300" imgH="292100" progId="Equation.DSMT4">
                   <p:embed/>
                 </p:oleObj>
               </mc:Choice>
@@ -5644,7 +5644,7 @@
           <a:graphicData uri="http://schemas.openxmlformats.org/presentationml/2006/ole">
             <mc:AlternateContent xmlns:mc="http://schemas.openxmlformats.org/markup-compatibility/2006">
               <mc:Choice xmlns:v="urn:schemas-microsoft-com:vml" Requires="v">
-                <p:oleObj spid="_x0000_s14410" name="Equation" r:id="rId8" imgW="1308100" imgH="292100" progId="Equation.DSMT4">
+                <p:oleObj spid="_x0000_s14417" name="Equation" r:id="rId8" imgW="1308100" imgH="292100" progId="Equation.DSMT4">
                   <p:embed/>
                 </p:oleObj>
               </mc:Choice>
@@ -6102,7 +6102,7 @@
           <a:graphicData uri="http://schemas.openxmlformats.org/presentationml/2006/ole">
             <mc:AlternateContent xmlns:mc="http://schemas.openxmlformats.org/markup-compatibility/2006">
               <mc:Choice xmlns:v="urn:schemas-microsoft-com:vml" Requires="v">
-                <p:oleObj spid="_x0000_s15417" name="Equation" r:id="rId4" imgW="139700" imgH="215900" progId="Equation.DSMT4">
+                <p:oleObj spid="_x0000_s15424" name="Equation" r:id="rId4" imgW="139700" imgH="215900" progId="Equation.DSMT4">
                   <p:embed/>
                 </p:oleObj>
               </mc:Choice>
@@ -6159,7 +6159,7 @@
           <a:graphicData uri="http://schemas.openxmlformats.org/presentationml/2006/ole">
             <mc:AlternateContent xmlns:mc="http://schemas.openxmlformats.org/markup-compatibility/2006">
               <mc:Choice xmlns:v="urn:schemas-microsoft-com:vml" Requires="v">
-                <p:oleObj spid="_x0000_s15418" name="Equation" r:id="rId6" imgW="1981200" imgH="660400" progId="Equation.3">
+                <p:oleObj spid="_x0000_s15425" name="Equation" r:id="rId6" imgW="1981200" imgH="660400" progId="Equation.3">
                   <p:embed/>
                 </p:oleObj>
               </mc:Choice>
@@ -6216,7 +6216,7 @@
           <a:graphicData uri="http://schemas.openxmlformats.org/presentationml/2006/ole">
             <mc:AlternateContent xmlns:mc="http://schemas.openxmlformats.org/markup-compatibility/2006">
               <mc:Choice xmlns:v="urn:schemas-microsoft-com:vml" Requires="v">
-                <p:oleObj spid="_x0000_s15419" name="Equation" r:id="rId8" imgW="1930400" imgH="812800" progId="Equation.DSMT4">
+                <p:oleObj spid="_x0000_s15426" name="Equation" r:id="rId8" imgW="1930400" imgH="812800" progId="Equation.DSMT4">
                   <p:embed/>
                 </p:oleObj>
               </mc:Choice>
@@ -6427,7 +6427,7 @@
           <a:graphicData uri="http://schemas.openxmlformats.org/presentationml/2006/ole">
             <mc:AlternateContent xmlns:mc="http://schemas.openxmlformats.org/markup-compatibility/2006">
               <mc:Choice xmlns:v="urn:schemas-microsoft-com:vml" Requires="v">
-                <p:oleObj spid="_x0000_s17457" name="Equation" r:id="rId4" imgW="139700" imgH="215900" progId="Equation.DSMT4">
+                <p:oleObj spid="_x0000_s17464" name="Equation" r:id="rId4" imgW="139700" imgH="215900" progId="Equation.DSMT4">
                   <p:embed/>
                 </p:oleObj>
               </mc:Choice>
@@ -6484,7 +6484,7 @@
           <a:graphicData uri="http://schemas.openxmlformats.org/presentationml/2006/ole">
             <mc:AlternateContent xmlns:mc="http://schemas.openxmlformats.org/markup-compatibility/2006">
               <mc:Choice xmlns:v="urn:schemas-microsoft-com:vml" Requires="v">
-                <p:oleObj spid="_x0000_s17458" name="Equation" r:id="rId6" imgW="1981200" imgH="660400" progId="Equation.3">
+                <p:oleObj spid="_x0000_s17465" name="Equation" r:id="rId6" imgW="1981200" imgH="660400" progId="Equation.3">
                   <p:embed/>
                 </p:oleObj>
               </mc:Choice>
@@ -6541,7 +6541,7 @@
           <a:graphicData uri="http://schemas.openxmlformats.org/presentationml/2006/ole">
             <mc:AlternateContent xmlns:mc="http://schemas.openxmlformats.org/markup-compatibility/2006">
               <mc:Choice xmlns:v="urn:schemas-microsoft-com:vml" Requires="v">
-                <p:oleObj spid="_x0000_s17459" name="Equation" r:id="rId8" imgW="812800" imgH="355600" progId="Equation.DSMT4">
+                <p:oleObj spid="_x0000_s17466" name="Equation" r:id="rId8" imgW="812800" imgH="355600" progId="Equation.DSMT4">
                   <p:embed/>
                 </p:oleObj>
               </mc:Choice>
@@ -6708,7 +6708,7 @@
           <a:graphicData uri="http://schemas.openxmlformats.org/presentationml/2006/ole">
             <mc:AlternateContent xmlns:mc="http://schemas.openxmlformats.org/markup-compatibility/2006">
               <mc:Choice xmlns:v="urn:schemas-microsoft-com:vml" Requires="v">
-                <p:oleObj spid="_x0000_s16435" name="Equation" r:id="rId4" imgW="114300" imgH="165100" progId="Equation.3">
+                <p:oleObj spid="_x0000_s16442" name="Equation" r:id="rId4" imgW="114300" imgH="165100" progId="Equation.3">
                   <p:embed/>
                 </p:oleObj>
               </mc:Choice>
@@ -6765,7 +6765,7 @@
           <a:graphicData uri="http://schemas.openxmlformats.org/presentationml/2006/ole">
             <mc:AlternateContent xmlns:mc="http://schemas.openxmlformats.org/markup-compatibility/2006">
               <mc:Choice xmlns:v="urn:schemas-microsoft-com:vml" Requires="v">
-                <p:oleObj spid="_x0000_s16436" name="Equation" r:id="rId6" imgW="939800" imgH="292100" progId="Equation.DSMT4">
+                <p:oleObj spid="_x0000_s16443" name="Equation" r:id="rId6" imgW="939800" imgH="292100" progId="Equation.DSMT4">
                   <p:embed/>
                 </p:oleObj>
               </mc:Choice>
@@ -6822,7 +6822,7 @@
           <a:graphicData uri="http://schemas.openxmlformats.org/presentationml/2006/ole">
             <mc:AlternateContent xmlns:mc="http://schemas.openxmlformats.org/markup-compatibility/2006">
               <mc:Choice xmlns:v="urn:schemas-microsoft-com:vml" Requires="v">
-                <p:oleObj spid="_x0000_s16437" name="Equation" r:id="rId8" imgW="736600" imgH="292100" progId="Equation.DSMT4">
+                <p:oleObj spid="_x0000_s16444" name="Equation" r:id="rId8" imgW="736600" imgH="292100" progId="Equation.DSMT4">
                   <p:embed/>
                 </p:oleObj>
               </mc:Choice>
@@ -7065,7 +7065,7 @@
           <a:graphicData uri="http://schemas.openxmlformats.org/presentationml/2006/ole">
             <mc:AlternateContent xmlns:mc="http://schemas.openxmlformats.org/markup-compatibility/2006">
               <mc:Choice xmlns:v="urn:schemas-microsoft-com:vml" Requires="v">
-                <p:oleObj spid="_x0000_s18499" name="Equation" r:id="rId4" imgW="114300" imgH="165100" progId="Equation.3">
+                <p:oleObj spid="_x0000_s18508" name="Equation" r:id="rId4" imgW="114300" imgH="165100" progId="Equation.3">
                   <p:embed/>
                 </p:oleObj>
               </mc:Choice>
@@ -7122,7 +7122,7 @@
           <a:graphicData uri="http://schemas.openxmlformats.org/presentationml/2006/ole">
             <mc:AlternateContent xmlns:mc="http://schemas.openxmlformats.org/markup-compatibility/2006">
               <mc:Choice xmlns:v="urn:schemas-microsoft-com:vml" Requires="v">
-                <p:oleObj spid="_x0000_s18500" name="Equation" r:id="rId6" imgW="469900" imgH="304800" progId="Equation.3">
+                <p:oleObj spid="_x0000_s18509" name="Equation" r:id="rId6" imgW="469900" imgH="304800" progId="Equation.3">
                   <p:embed/>
                 </p:oleObj>
               </mc:Choice>
@@ -7179,7 +7179,7 @@
           <a:graphicData uri="http://schemas.openxmlformats.org/presentationml/2006/ole">
             <mc:AlternateContent xmlns:mc="http://schemas.openxmlformats.org/markup-compatibility/2006">
               <mc:Choice xmlns:v="urn:schemas-microsoft-com:vml" Requires="v">
-                <p:oleObj spid="_x0000_s18501" name="Equation" r:id="rId8" imgW="596900" imgH="330200" progId="Equation.DSMT4">
+                <p:oleObj spid="_x0000_s18510" name="Equation" r:id="rId8" imgW="596900" imgH="330200" progId="Equation.DSMT4">
                   <p:embed/>
                 </p:oleObj>
               </mc:Choice>
@@ -7236,7 +7236,7 @@
           <a:graphicData uri="http://schemas.openxmlformats.org/presentationml/2006/ole">
             <mc:AlternateContent xmlns:mc="http://schemas.openxmlformats.org/markup-compatibility/2006">
               <mc:Choice xmlns:v="urn:schemas-microsoft-com:vml" Requires="v">
-                <p:oleObj spid="_x0000_s18502" name="Equation" r:id="rId10" imgW="787400" imgH="292100" progId="Equation.DSMT4">
+                <p:oleObj spid="_x0000_s18511" name="Equation" r:id="rId10" imgW="787400" imgH="292100" progId="Equation.DSMT4">
                   <p:embed/>
                 </p:oleObj>
               </mc:Choice>
@@ -7532,7 +7532,7 @@
           <a:graphicData uri="http://schemas.openxmlformats.org/presentationml/2006/ole">
             <mc:AlternateContent xmlns:mc="http://schemas.openxmlformats.org/markup-compatibility/2006">
               <mc:Choice xmlns:v="urn:schemas-microsoft-com:vml" Requires="v">
-                <p:oleObj spid="_x0000_s19505" name="Equation" r:id="rId4" imgW="114300" imgH="165100" progId="Equation.3">
+                <p:oleObj spid="_x0000_s19512" name="Equation" r:id="rId4" imgW="114300" imgH="165100" progId="Equation.3">
                   <p:embed/>
                 </p:oleObj>
               </mc:Choice>
@@ -7589,7 +7589,7 @@
           <a:graphicData uri="http://schemas.openxmlformats.org/presentationml/2006/ole">
             <mc:AlternateContent xmlns:mc="http://schemas.openxmlformats.org/markup-compatibility/2006">
               <mc:Choice xmlns:v="urn:schemas-microsoft-com:vml" Requires="v">
-                <p:oleObj spid="_x0000_s19506" name="Equation" r:id="rId6" imgW="596900" imgH="330200" progId="Equation.DSMT4">
+                <p:oleObj spid="_x0000_s19513" name="Equation" r:id="rId6" imgW="596900" imgH="330200" progId="Equation.DSMT4">
                   <p:embed/>
                 </p:oleObj>
               </mc:Choice>
@@ -7646,7 +7646,7 @@
           <a:graphicData uri="http://schemas.openxmlformats.org/presentationml/2006/ole">
             <mc:AlternateContent xmlns:mc="http://schemas.openxmlformats.org/markup-compatibility/2006">
               <mc:Choice xmlns:v="urn:schemas-microsoft-com:vml" Requires="v">
-                <p:oleObj spid="_x0000_s19507" name="Equation" r:id="rId8" imgW="1689100" imgH="673100" progId="Equation.DSMT4">
+                <p:oleObj spid="_x0000_s19514" name="Equation" r:id="rId8" imgW="1689100" imgH="673100" progId="Equation.DSMT4">
                   <p:embed/>
                 </p:oleObj>
               </mc:Choice>
@@ -7813,7 +7813,7 @@
           <a:graphicData uri="http://schemas.openxmlformats.org/presentationml/2006/ole">
             <mc:AlternateContent xmlns:mc="http://schemas.openxmlformats.org/markup-compatibility/2006">
               <mc:Choice xmlns:v="urn:schemas-microsoft-com:vml" Requires="v">
-                <p:oleObj spid="_x0000_s20530" name="Equation" r:id="rId4" imgW="114300" imgH="165100" progId="Equation.3">
+                <p:oleObj spid="_x0000_s20537" name="Equation" r:id="rId4" imgW="114300" imgH="165100" progId="Equation.3">
                   <p:embed/>
                 </p:oleObj>
               </mc:Choice>
@@ -7870,7 +7870,7 @@
           <a:graphicData uri="http://schemas.openxmlformats.org/presentationml/2006/ole">
             <mc:AlternateContent xmlns:mc="http://schemas.openxmlformats.org/markup-compatibility/2006">
               <mc:Choice xmlns:v="urn:schemas-microsoft-com:vml" Requires="v">
-                <p:oleObj spid="_x0000_s20531" name="Equation" r:id="rId6" imgW="1485900" imgH="292100" progId="Equation.DSMT4">
+                <p:oleObj spid="_x0000_s20538" name="Equation" r:id="rId6" imgW="1485900" imgH="292100" progId="Equation.DSMT4">
                   <p:embed/>
                 </p:oleObj>
               </mc:Choice>
@@ -7927,7 +7927,7 @@
           <a:graphicData uri="http://schemas.openxmlformats.org/presentationml/2006/ole">
             <mc:AlternateContent xmlns:mc="http://schemas.openxmlformats.org/markup-compatibility/2006">
               <mc:Choice xmlns:v="urn:schemas-microsoft-com:vml" Requires="v">
-                <p:oleObj spid="_x0000_s20532" name="Equation" r:id="rId8" imgW="863600" imgH="292100" progId="Equation.DSMT4">
+                <p:oleObj spid="_x0000_s20539" name="Equation" r:id="rId8" imgW="863600" imgH="292100" progId="Equation.DSMT4">
                   <p:embed/>
                 </p:oleObj>
               </mc:Choice>
@@ -8170,7 +8170,7 @@
           <a:graphicData uri="http://schemas.openxmlformats.org/presentationml/2006/ole">
             <mc:AlternateContent xmlns:mc="http://schemas.openxmlformats.org/markup-compatibility/2006">
               <mc:Choice xmlns:v="urn:schemas-microsoft-com:vml" Requires="v">
-                <p:oleObj spid="_x0000_s21556" name="Equation" r:id="rId4" imgW="114300" imgH="165100" progId="Equation.3">
+                <p:oleObj spid="_x0000_s21563" name="Equation" r:id="rId4" imgW="114300" imgH="165100" progId="Equation.3">
                   <p:embed/>
                 </p:oleObj>
               </mc:Choice>
@@ -8227,7 +8227,7 @@
           <a:graphicData uri="http://schemas.openxmlformats.org/presentationml/2006/ole">
             <mc:AlternateContent xmlns:mc="http://schemas.openxmlformats.org/markup-compatibility/2006">
               <mc:Choice xmlns:v="urn:schemas-microsoft-com:vml" Requires="v">
-                <p:oleObj spid="_x0000_s21557" name="Equation" r:id="rId6" imgW="762000" imgH="292100" progId="Equation.DSMT4">
+                <p:oleObj spid="_x0000_s21564" name="Equation" r:id="rId6" imgW="762000" imgH="292100" progId="Equation.DSMT4">
                   <p:embed/>
                 </p:oleObj>
               </mc:Choice>
@@ -8284,7 +8284,7 @@
           <a:graphicData uri="http://schemas.openxmlformats.org/presentationml/2006/ole">
             <mc:AlternateContent xmlns:mc="http://schemas.openxmlformats.org/markup-compatibility/2006">
               <mc:Choice xmlns:v="urn:schemas-microsoft-com:vml" Requires="v">
-                <p:oleObj spid="_x0000_s21558" name="Equation" r:id="rId8" imgW="635000" imgH="292100" progId="Equation.DSMT4">
+                <p:oleObj spid="_x0000_s21565" name="Equation" r:id="rId8" imgW="635000" imgH="292100" progId="Equation.DSMT4">
                   <p:embed/>
                 </p:oleObj>
               </mc:Choice>
@@ -8825,7 +8825,7 @@
           <a:graphicData uri="http://schemas.openxmlformats.org/presentationml/2006/ole">
             <mc:AlternateContent xmlns:mc="http://schemas.openxmlformats.org/markup-compatibility/2006">
               <mc:Choice xmlns:v="urn:schemas-microsoft-com:vml" Requires="v">
-                <p:oleObj spid="_x0000_s28704" name="Equation" r:id="rId4" imgW="368300" imgH="292100" progId="Equation.DSMT4">
+                <p:oleObj spid="_x0000_s28709" name="Equation" r:id="rId4" imgW="368300" imgH="292100" progId="Equation.DSMT4">
                   <p:embed/>
                 </p:oleObj>
               </mc:Choice>
@@ -8949,7 +8949,7 @@
             <a:graphicData uri="http://schemas.openxmlformats.org/presentationml/2006/ole">
               <mc:AlternateContent xmlns:mc="http://schemas.openxmlformats.org/markup-compatibility/2006">
                 <mc:Choice xmlns:v="urn:schemas-microsoft-com:vml" Requires="v">
-                  <p:oleObj spid="_x0000_s28705" name="Equation" r:id="rId6" imgW="203200" imgH="292100" progId="Equation.DSMT4">
+                  <p:oleObj spid="_x0000_s28710" name="Equation" r:id="rId6" imgW="203200" imgH="292100" progId="Equation.DSMT4">
                     <p:embed/>
                   </p:oleObj>
                 </mc:Choice>
@@ -9844,7 +9844,7 @@
           <a:graphicData uri="http://schemas.openxmlformats.org/presentationml/2006/ole">
             <mc:AlternateContent xmlns:mc="http://schemas.openxmlformats.org/markup-compatibility/2006">
               <mc:Choice xmlns:v="urn:schemas-microsoft-com:vml" Requires="v">
-                <p:oleObj spid="_x0000_s29728" name="Equation" r:id="rId4" imgW="368300" imgH="292100" progId="Equation.DSMT4">
+                <p:oleObj spid="_x0000_s29733" name="Equation" r:id="rId4" imgW="368300" imgH="292100" progId="Equation.DSMT4">
                   <p:embed/>
                 </p:oleObj>
               </mc:Choice>
@@ -9968,7 +9968,7 @@
             <a:graphicData uri="http://schemas.openxmlformats.org/presentationml/2006/ole">
               <mc:AlternateContent xmlns:mc="http://schemas.openxmlformats.org/markup-compatibility/2006">
                 <mc:Choice xmlns:v="urn:schemas-microsoft-com:vml" Requires="v">
-                  <p:oleObj spid="_x0000_s29729" name="Equation" r:id="rId6" imgW="203200" imgH="292100" progId="Equation.DSMT4">
+                  <p:oleObj spid="_x0000_s29734" name="Equation" r:id="rId6" imgW="203200" imgH="292100" progId="Equation.DSMT4">
                     <p:embed/>
                   </p:oleObj>
                 </mc:Choice>
@@ -10075,7 +10075,7 @@
           <a:graphicData uri="http://schemas.openxmlformats.org/presentationml/2006/ole">
             <mc:AlternateContent xmlns:mc="http://schemas.openxmlformats.org/markup-compatibility/2006">
               <mc:Choice xmlns:v="urn:schemas-microsoft-com:vml" Requires="v">
-                <p:oleObj spid="_x0000_s6242" name="Equation" r:id="rId4" imgW="203200" imgH="292100" progId="Equation.DSMT4">
+                <p:oleObj spid="_x0000_s6251" name="Equation" r:id="rId4" imgW="203200" imgH="292100" progId="Equation.DSMT4">
                   <p:embed/>
                 </p:oleObj>
               </mc:Choice>
@@ -10283,7 +10283,7 @@
           <a:graphicData uri="http://schemas.openxmlformats.org/presentationml/2006/ole">
             <mc:AlternateContent xmlns:mc="http://schemas.openxmlformats.org/markup-compatibility/2006">
               <mc:Choice xmlns:v="urn:schemas-microsoft-com:vml" Requires="v">
-                <p:oleObj spid="_x0000_s6243" name="Equation" r:id="rId6" imgW="203200" imgH="292100" progId="Equation.DSMT4">
+                <p:oleObj spid="_x0000_s6252" name="Equation" r:id="rId6" imgW="203200" imgH="292100" progId="Equation.DSMT4">
                   <p:embed/>
                 </p:oleObj>
               </mc:Choice>
@@ -10340,7 +10340,7 @@
           <a:graphicData uri="http://schemas.openxmlformats.org/presentationml/2006/ole">
             <mc:AlternateContent xmlns:mc="http://schemas.openxmlformats.org/markup-compatibility/2006">
               <mc:Choice xmlns:v="urn:schemas-microsoft-com:vml" Requires="v">
-                <p:oleObj spid="_x0000_s6244" name="Equation" r:id="rId8" imgW="1943100" imgH="558800" progId="Equation.DSMT4">
+                <p:oleObj spid="_x0000_s6253" name="Equation" r:id="rId8" imgW="1943100" imgH="558800" progId="Equation.DSMT4">
                   <p:embed/>
                 </p:oleObj>
               </mc:Choice>
@@ -10397,7 +10397,7 @@
           <a:graphicData uri="http://schemas.openxmlformats.org/presentationml/2006/ole">
             <mc:AlternateContent xmlns:mc="http://schemas.openxmlformats.org/markup-compatibility/2006">
               <mc:Choice xmlns:v="urn:schemas-microsoft-com:vml" Requires="v">
-                <p:oleObj spid="_x0000_s6245" name="Equation" r:id="rId10" imgW="660400" imgH="292100" progId="Equation.DSMT4">
+                <p:oleObj spid="_x0000_s6254" name="Equation" r:id="rId10" imgW="660400" imgH="292100" progId="Equation.DSMT4">
                   <p:embed/>
                 </p:oleObj>
               </mc:Choice>
@@ -11694,7 +11694,7 @@
             <a:graphicData uri="http://schemas.openxmlformats.org/presentationml/2006/ole">
               <mc:AlternateContent xmlns:mc="http://schemas.openxmlformats.org/markup-compatibility/2006">
                 <mc:Choice xmlns:v="urn:schemas-microsoft-com:vml" Requires="v">
-                  <p:oleObj spid="_x0000_s30753" name="Equation" r:id="rId4" imgW="203200" imgH="292100" progId="Equation.DSMT4">
+                  <p:oleObj spid="_x0000_s30758" name="Equation" r:id="rId4" imgW="203200" imgH="292100" progId="Equation.DSMT4">
                     <p:embed/>
                   </p:oleObj>
                 </mc:Choice>
@@ -11752,7 +11752,7 @@
           <a:graphicData uri="http://schemas.openxmlformats.org/presentationml/2006/ole">
             <mc:AlternateContent xmlns:mc="http://schemas.openxmlformats.org/markup-compatibility/2006">
               <mc:Choice xmlns:v="urn:schemas-microsoft-com:vml" Requires="v">
-                <p:oleObj spid="_x0000_s30754" name="Equation" r:id="rId6" imgW="368300" imgH="292100" progId="Equation.DSMT4">
+                <p:oleObj spid="_x0000_s30759" name="Equation" r:id="rId6" imgW="368300" imgH="292100" progId="Equation.DSMT4">
                   <p:embed/>
                 </p:oleObj>
               </mc:Choice>
@@ -11919,7 +11919,7 @@
           <a:graphicData uri="http://schemas.openxmlformats.org/presentationml/2006/ole">
             <mc:AlternateContent xmlns:mc="http://schemas.openxmlformats.org/markup-compatibility/2006">
               <mc:Choice xmlns:v="urn:schemas-microsoft-com:vml" Requires="v">
-                <p:oleObj spid="_x0000_s34845" name="Equation" r:id="rId4" imgW="114300" imgH="165100" progId="Equation.3">
+                <p:oleObj spid="_x0000_s34852" name="Equation" r:id="rId4" imgW="114300" imgH="165100" progId="Equation.3">
                   <p:embed/>
                 </p:oleObj>
               </mc:Choice>
@@ -11976,7 +11976,7 @@
           <a:graphicData uri="http://schemas.openxmlformats.org/presentationml/2006/ole">
             <mc:AlternateContent xmlns:mc="http://schemas.openxmlformats.org/markup-compatibility/2006">
               <mc:Choice xmlns:v="urn:schemas-microsoft-com:vml" Requires="v">
-                <p:oleObj spid="_x0000_s34846" name="Equation" r:id="rId6" imgW="762000" imgH="292100" progId="Equation.DSMT4">
+                <p:oleObj spid="_x0000_s34853" name="Equation" r:id="rId6" imgW="762000" imgH="292100" progId="Equation.DSMT4">
                   <p:embed/>
                 </p:oleObj>
               </mc:Choice>
@@ -12033,7 +12033,7 @@
           <a:graphicData uri="http://schemas.openxmlformats.org/presentationml/2006/ole">
             <mc:AlternateContent xmlns:mc="http://schemas.openxmlformats.org/markup-compatibility/2006">
               <mc:Choice xmlns:v="urn:schemas-microsoft-com:vml" Requires="v">
-                <p:oleObj spid="_x0000_s34847" name="Equation" r:id="rId8" imgW="635000" imgH="292100" progId="Equation.DSMT4">
+                <p:oleObj spid="_x0000_s34854" name="Equation" r:id="rId8" imgW="635000" imgH="292100" progId="Equation.DSMT4">
                   <p:embed/>
                 </p:oleObj>
               </mc:Choice>
@@ -12191,7 +12191,7 @@
           <a:graphicData uri="http://schemas.openxmlformats.org/presentationml/2006/ole">
             <mc:AlternateContent xmlns:mc="http://schemas.openxmlformats.org/markup-compatibility/2006">
               <mc:Choice xmlns:v="urn:schemas-microsoft-com:vml" Requires="v">
-                <p:oleObj spid="_x0000_s24615" name="Equation" r:id="rId4" imgW="114300" imgH="165100" progId="Equation.3">
+                <p:oleObj spid="_x0000_s24620" name="Equation" r:id="rId4" imgW="114300" imgH="165100" progId="Equation.3">
                   <p:embed/>
                 </p:oleObj>
               </mc:Choice>
@@ -12248,7 +12248,7 @@
           <a:graphicData uri="http://schemas.openxmlformats.org/presentationml/2006/ole">
             <mc:AlternateContent xmlns:mc="http://schemas.openxmlformats.org/markup-compatibility/2006">
               <mc:Choice xmlns:v="urn:schemas-microsoft-com:vml" Requires="v">
-                <p:oleObj spid="_x0000_s24616" name="Equation" r:id="rId6" imgW="990600" imgH="292100" progId="Equation.DSMT4">
+                <p:oleObj spid="_x0000_s24621" name="Equation" r:id="rId6" imgW="990600" imgH="292100" progId="Equation.DSMT4">
                   <p:embed/>
                 </p:oleObj>
               </mc:Choice>
@@ -12555,7 +12555,7 @@
           <a:graphicData uri="http://schemas.openxmlformats.org/presentationml/2006/ole">
             <mc:AlternateContent xmlns:mc="http://schemas.openxmlformats.org/markup-compatibility/2006">
               <mc:Choice xmlns:v="urn:schemas-microsoft-com:vml" Requires="v">
-                <p:oleObj spid="_x0000_s27681" name="Equation" r:id="rId4" imgW="114300" imgH="165100" progId="Equation.3">
+                <p:oleObj spid="_x0000_s27686" name="Equation" r:id="rId4" imgW="114300" imgH="165100" progId="Equation.3">
                   <p:embed/>
                 </p:oleObj>
               </mc:Choice>
@@ -12612,7 +12612,7 @@
           <a:graphicData uri="http://schemas.openxmlformats.org/presentationml/2006/ole">
             <mc:AlternateContent xmlns:mc="http://schemas.openxmlformats.org/markup-compatibility/2006">
               <mc:Choice xmlns:v="urn:schemas-microsoft-com:vml" Requires="v">
-                <p:oleObj spid="_x0000_s27682" name="Equation" r:id="rId6" imgW="1231900" imgH="558800" progId="Equation.DSMT4">
+                <p:oleObj spid="_x0000_s27687" name="Equation" r:id="rId6" imgW="1231900" imgH="558800" progId="Equation.DSMT4">
                   <p:embed/>
                 </p:oleObj>
               </mc:Choice>
@@ -12784,7 +12784,7 @@
           <a:graphicData uri="http://schemas.openxmlformats.org/presentationml/2006/ole">
             <mc:AlternateContent xmlns:mc="http://schemas.openxmlformats.org/markup-compatibility/2006">
               <mc:Choice xmlns:v="urn:schemas-microsoft-com:vml" Requires="v">
-                <p:oleObj spid="_x0000_s26658" name="Equation" r:id="rId4" imgW="114300" imgH="165100" progId="Equation.3">
+                <p:oleObj spid="_x0000_s26663" name="Equation" r:id="rId4" imgW="114300" imgH="165100" progId="Equation.3">
                   <p:embed/>
                 </p:oleObj>
               </mc:Choice>
@@ -12841,7 +12841,7 @@
           <a:graphicData uri="http://schemas.openxmlformats.org/presentationml/2006/ole">
             <mc:AlternateContent xmlns:mc="http://schemas.openxmlformats.org/markup-compatibility/2006">
               <mc:Choice xmlns:v="urn:schemas-microsoft-com:vml" Requires="v">
-                <p:oleObj spid="_x0000_s26659" name="Equation" r:id="rId6" imgW="1206500" imgH="558800" progId="Equation.3">
+                <p:oleObj spid="_x0000_s26664" name="Equation" r:id="rId6" imgW="1206500" imgH="558800" progId="Equation.3">
                   <p:embed/>
                 </p:oleObj>
               </mc:Choice>
@@ -13158,7 +13158,7 @@
           <a:graphicData uri="http://schemas.openxmlformats.org/presentationml/2006/ole">
             <mc:AlternateContent xmlns:mc="http://schemas.openxmlformats.org/markup-compatibility/2006">
               <mc:Choice xmlns:v="urn:schemas-microsoft-com:vml" Requires="v">
-                <p:oleObj spid="_x0000_s38930" name="Equation" r:id="rId4" imgW="114300" imgH="165100" progId="Equation.3">
+                <p:oleObj spid="_x0000_s38935" name="Equation" r:id="rId4" imgW="114300" imgH="165100" progId="Equation.3">
                   <p:embed/>
                 </p:oleObj>
               </mc:Choice>
@@ -13215,7 +13215,7 @@
           <a:graphicData uri="http://schemas.openxmlformats.org/presentationml/2006/ole">
             <mc:AlternateContent xmlns:mc="http://schemas.openxmlformats.org/markup-compatibility/2006">
               <mc:Choice xmlns:v="urn:schemas-microsoft-com:vml" Requires="v">
-                <p:oleObj spid="_x0000_s38931" name="Equation" r:id="rId6" imgW="825500" imgH="457200" progId="Equation.DSMT4">
+                <p:oleObj spid="_x0000_s38936" name="Equation" r:id="rId6" imgW="825500" imgH="457200" progId="Equation.DSMT4">
                   <p:embed/>
                 </p:oleObj>
               </mc:Choice>
@@ -13387,7 +13387,7 @@
           <a:graphicData uri="http://schemas.openxmlformats.org/presentationml/2006/ole">
             <mc:AlternateContent xmlns:mc="http://schemas.openxmlformats.org/markup-compatibility/2006">
               <mc:Choice xmlns:v="urn:schemas-microsoft-com:vml" Requires="v">
-                <p:oleObj spid="_x0000_s23594" name="Equation" r:id="rId4" imgW="114300" imgH="165100" progId="Equation.3">
+                <p:oleObj spid="_x0000_s23599" name="Equation" r:id="rId4" imgW="114300" imgH="165100" progId="Equation.3">
                   <p:embed/>
                 </p:oleObj>
               </mc:Choice>
@@ -13444,7 +13444,7 @@
           <a:graphicData uri="http://schemas.openxmlformats.org/presentationml/2006/ole">
             <mc:AlternateContent xmlns:mc="http://schemas.openxmlformats.org/markup-compatibility/2006">
               <mc:Choice xmlns:v="urn:schemas-microsoft-com:vml" Requires="v">
-                <p:oleObj spid="_x0000_s23595" name="Equation" r:id="rId6" imgW="863600" imgH="279400" progId="Equation.3">
+                <p:oleObj spid="_x0000_s23600" name="Equation" r:id="rId6" imgW="863600" imgH="279400" progId="Equation.3">
                   <p:embed/>
                 </p:oleObj>
               </mc:Choice>
@@ -13833,7 +13833,7 @@
           <a:graphicData uri="http://schemas.openxmlformats.org/presentationml/2006/ole">
             <mc:AlternateContent xmlns:mc="http://schemas.openxmlformats.org/markup-compatibility/2006">
               <mc:Choice xmlns:v="urn:schemas-microsoft-com:vml" Requires="v">
-                <p:oleObj spid="_x0000_s22590" name="Equation" r:id="rId4" imgW="114300" imgH="165100" progId="Equation.3">
+                <p:oleObj spid="_x0000_s22599" name="Equation" r:id="rId4" imgW="114300" imgH="165100" progId="Equation.3">
                   <p:embed/>
                 </p:oleObj>
               </mc:Choice>
@@ -13890,7 +13890,7 @@
           <a:graphicData uri="http://schemas.openxmlformats.org/presentationml/2006/ole">
             <mc:AlternateContent xmlns:mc="http://schemas.openxmlformats.org/markup-compatibility/2006">
               <mc:Choice xmlns:v="urn:schemas-microsoft-com:vml" Requires="v">
-                <p:oleObj spid="_x0000_s22591" name="Equation" r:id="rId6" imgW="762000" imgH="292100" progId="Equation.DSMT4">
+                <p:oleObj spid="_x0000_s22600" name="Equation" r:id="rId6" imgW="762000" imgH="292100" progId="Equation.DSMT4">
                   <p:embed/>
                 </p:oleObj>
               </mc:Choice>
@@ -13947,7 +13947,7 @@
           <a:graphicData uri="http://schemas.openxmlformats.org/presentationml/2006/ole">
             <mc:AlternateContent xmlns:mc="http://schemas.openxmlformats.org/markup-compatibility/2006">
               <mc:Choice xmlns:v="urn:schemas-microsoft-com:vml" Requires="v">
-                <p:oleObj spid="_x0000_s22592" name="Equation" r:id="rId8" imgW="1790700" imgH="584200" progId="Equation.DSMT4">
+                <p:oleObj spid="_x0000_s22601" name="Equation" r:id="rId8" imgW="1790700" imgH="584200" progId="Equation.DSMT4">
                   <p:embed/>
                 </p:oleObj>
               </mc:Choice>
@@ -14004,7 +14004,7 @@
           <a:graphicData uri="http://schemas.openxmlformats.org/presentationml/2006/ole">
             <mc:AlternateContent xmlns:mc="http://schemas.openxmlformats.org/markup-compatibility/2006">
               <mc:Choice xmlns:v="urn:schemas-microsoft-com:vml" Requires="v">
-                <p:oleObj spid="_x0000_s22593" name="Equation" r:id="rId10" imgW="1485900" imgH="330200" progId="Equation.DSMT4">
+                <p:oleObj spid="_x0000_s22602" name="Equation" r:id="rId10" imgW="1485900" imgH="330200" progId="Equation.DSMT4">
                   <p:embed/>
                 </p:oleObj>
               </mc:Choice>
@@ -14165,7 +14165,7 @@
           <a:graphicData uri="http://schemas.openxmlformats.org/presentationml/2006/ole">
             <mc:AlternateContent xmlns:mc="http://schemas.openxmlformats.org/markup-compatibility/2006">
               <mc:Choice xmlns:v="urn:schemas-microsoft-com:vml" Requires="v">
-                <p:oleObj spid="_x0000_s1070" name="Equation" r:id="rId4" imgW="126720" imgH="190440" progId="Equation.DSMT4">
+                <p:oleObj spid="_x0000_s1075" name="Equation" r:id="rId4" imgW="126720" imgH="190440" progId="Equation.DSMT4">
                   <p:embed/>
                 </p:oleObj>
               </mc:Choice>
@@ -14266,7 +14266,7 @@
           <a:graphicData uri="http://schemas.openxmlformats.org/presentationml/2006/ole">
             <mc:AlternateContent xmlns:mc="http://schemas.openxmlformats.org/markup-compatibility/2006">
               <mc:Choice xmlns:v="urn:schemas-microsoft-com:vml" Requires="v">
-                <p:oleObj spid="_x0000_s1071" name="Equation" r:id="rId6" imgW="2044700" imgH="647700" progId="Equation.3">
+                <p:oleObj spid="_x0000_s1076" name="Equation" r:id="rId6" imgW="2044700" imgH="647700" progId="Equation.3">
                   <p:embed/>
                 </p:oleObj>
               </mc:Choice>
@@ -14525,7 +14525,7 @@
           <a:graphicData uri="http://schemas.openxmlformats.org/presentationml/2006/ole">
             <mc:AlternateContent xmlns:mc="http://schemas.openxmlformats.org/markup-compatibility/2006">
               <mc:Choice xmlns:v="urn:schemas-microsoft-com:vml" Requires="v">
-                <p:oleObj spid="_x0000_s2094" name="Equation" r:id="rId4" imgW="126720" imgH="190440" progId="Equation.DSMT4">
+                <p:oleObj spid="_x0000_s2099" name="Equation" r:id="rId4" imgW="126720" imgH="190440" progId="Equation.DSMT4">
                   <p:embed/>
                 </p:oleObj>
               </mc:Choice>
@@ -14595,7 +14595,7 @@
           <a:graphicData uri="http://schemas.openxmlformats.org/presentationml/2006/ole">
             <mc:AlternateContent xmlns:mc="http://schemas.openxmlformats.org/markup-compatibility/2006">
               <mc:Choice xmlns:v="urn:schemas-microsoft-com:vml" Requires="v">
-                <p:oleObj spid="_x0000_s2095" name="Equation" r:id="rId6" imgW="2044700" imgH="812800" progId="Equation.3">
+                <p:oleObj spid="_x0000_s2100" name="Equation" r:id="rId6" imgW="2044700" imgH="812800" progId="Equation.3">
                   <p:embed/>
                 </p:oleObj>
               </mc:Choice>
@@ -14751,7 +14751,7 @@
           <a:graphicData uri="http://schemas.openxmlformats.org/presentationml/2006/ole">
             <mc:AlternateContent xmlns:mc="http://schemas.openxmlformats.org/markup-compatibility/2006">
               <mc:Choice xmlns:v="urn:schemas-microsoft-com:vml" Requires="v">
-                <p:oleObj spid="_x0000_s9268" name="Equation" r:id="rId4" imgW="990600" imgH="292100" progId="Equation.DSMT4">
+                <p:oleObj spid="_x0000_s9275" name="Equation" r:id="rId4" imgW="990600" imgH="292100" progId="Equation.DSMT4">
                   <p:embed/>
                 </p:oleObj>
               </mc:Choice>
@@ -14808,7 +14808,7 @@
           <a:graphicData uri="http://schemas.openxmlformats.org/presentationml/2006/ole">
             <mc:AlternateContent xmlns:mc="http://schemas.openxmlformats.org/markup-compatibility/2006">
               <mc:Choice xmlns:v="urn:schemas-microsoft-com:vml" Requires="v">
-                <p:oleObj spid="_x0000_s9269" name="Equation" r:id="rId6" imgW="1130300" imgH="292100" progId="Equation.DSMT4">
+                <p:oleObj spid="_x0000_s9276" name="Equation" r:id="rId6" imgW="1130300" imgH="292100" progId="Equation.DSMT4">
                   <p:embed/>
                 </p:oleObj>
               </mc:Choice>
@@ -14865,7 +14865,7 @@
           <a:graphicData uri="http://schemas.openxmlformats.org/presentationml/2006/ole">
             <mc:AlternateContent xmlns:mc="http://schemas.openxmlformats.org/markup-compatibility/2006">
               <mc:Choice xmlns:v="urn:schemas-microsoft-com:vml" Requires="v">
-                <p:oleObj spid="_x0000_s9270" name="Equation" r:id="rId8" imgW="1130300" imgH="292100" progId="Equation.DSMT4">
+                <p:oleObj spid="_x0000_s9277" name="Equation" r:id="rId8" imgW="1130300" imgH="292100" progId="Equation.DSMT4">
                   <p:embed/>
                 </p:oleObj>
               </mc:Choice>
@@ -14900,6 +14900,74 @@
           </a:graphicData>
         </a:graphic>
       </p:graphicFrame>
+      <p:sp>
+        <p:nvSpPr>
+          <p:cNvPr id="2" name="TextBox 1"/>
+          <p:cNvSpPr txBox="1"/>
+          <p:nvPr/>
+        </p:nvSpPr>
+        <p:spPr>
+          <a:xfrm>
+            <a:off x="1447800" y="4876800"/>
+            <a:ext cx="6118973" cy="1446550"/>
+          </a:xfrm>
+          <a:prstGeom prst="rect">
+            <a:avLst/>
+          </a:prstGeom>
+          <a:noFill/>
+        </p:spPr>
+        <p:txBody>
+          <a:bodyPr wrap="none" rtlCol="0">
+            <a:spAutoFit/>
+          </a:bodyPr>
+          <a:lstStyle/>
+          <a:p>
+            <a:r>
+              <a:rPr lang="en-US" sz="6600" b="1" dirty="0" smtClean="0">
+                <a:solidFill>
+                  <a:schemeClr val="accent1">
+                    <a:lumMod val="50000"/>
+                  </a:schemeClr>
+                </a:solidFill>
+                <a:latin typeface="Euclid Symbol" charset="2"/>
+                <a:cs typeface="Euclid Symbol" charset="2"/>
+              </a:rPr>
+              <a:t>=</a:t>
+            </a:r>
+            <a:r>
+              <a:rPr lang="en-US" sz="6600" dirty="0" smtClean="0">
+                <a:latin typeface="+mj-lt"/>
+              </a:rPr>
+              <a:t> instead of </a:t>
+            </a:r>
+            <a:r>
+              <a:rPr lang="en-US" sz="6600" b="1" dirty="0" smtClean="0">
+                <a:solidFill>
+                  <a:srgbClr val="0000E5"/>
+                </a:solidFill>
+                <a:latin typeface="Euclid Symbol" charset="2"/>
+                <a:cs typeface="Euclid Symbol" charset="2"/>
+              </a:rPr>
+              <a:t>≡</a:t>
+            </a:r>
+            <a:r>
+              <a:rPr lang="en-US" sz="8800" dirty="0" smtClean="0">
+                <a:solidFill>
+                  <a:srgbClr val="0000E5"/>
+                </a:solidFill>
+                <a:latin typeface="+mj-lt"/>
+              </a:rPr>
+              <a:t> </a:t>
+            </a:r>
+            <a:endParaRPr lang="en-US" sz="8800" dirty="0" smtClean="0">
+              <a:solidFill>
+                <a:srgbClr val="0000E5"/>
+              </a:solidFill>
+              <a:latin typeface="+mj-lt"/>
+            </a:endParaRPr>
+          </a:p>
+        </p:txBody>
+      </p:sp>
     </p:spTree>
     <p:extLst>
       <p:ext uri="{BB962C8B-B14F-4D97-AF65-F5344CB8AC3E}">
@@ -15094,7 +15162,7 @@
           <a:graphicData uri="http://schemas.openxmlformats.org/presentationml/2006/ole">
             <mc:AlternateContent xmlns:mc="http://schemas.openxmlformats.org/markup-compatibility/2006">
               <mc:Choice xmlns:v="urn:schemas-microsoft-com:vml" Requires="v">
-                <p:oleObj spid="_x0000_s3118" name="Equation" r:id="rId4" imgW="2031840" imgH="736560" progId="Equation.DSMT4">
+                <p:oleObj spid="_x0000_s3123" name="Equation" r:id="rId4" imgW="2031840" imgH="736560" progId="Equation.DSMT4">
                   <p:embed/>
                 </p:oleObj>
               </mc:Choice>
@@ -15218,7 +15286,7 @@
           <a:graphicData uri="http://schemas.openxmlformats.org/presentationml/2006/ole">
             <mc:AlternateContent xmlns:mc="http://schemas.openxmlformats.org/markup-compatibility/2006">
               <mc:Choice xmlns:v="urn:schemas-microsoft-com:vml" Requires="v">
-                <p:oleObj spid="_x0000_s3119" name="Equation" r:id="rId6" imgW="126720" imgH="190440" progId="Equation.3">
+                <p:oleObj spid="_x0000_s3124" name="Equation" r:id="rId6" imgW="126720" imgH="190440" progId="Equation.3">
                   <p:embed/>
                 </p:oleObj>
               </mc:Choice>
@@ -15645,7 +15713,7 @@
           <a:graphicData uri="http://schemas.openxmlformats.org/presentationml/2006/ole">
             <mc:AlternateContent xmlns:mc="http://schemas.openxmlformats.org/markup-compatibility/2006">
               <mc:Choice xmlns:v="urn:schemas-microsoft-com:vml" Requires="v">
-                <p:oleObj spid="_x0000_s4160" name="Equation" r:id="rId4" imgW="126720" imgH="190440" progId="Equation.DSMT4">
+                <p:oleObj spid="_x0000_s4167" name="Equation" r:id="rId4" imgW="126720" imgH="190440" progId="Equation.DSMT4">
                   <p:embed/>
                 </p:oleObj>
               </mc:Choice>
@@ -15715,7 +15783,7 @@
           <a:graphicData uri="http://schemas.openxmlformats.org/presentationml/2006/ole">
             <mc:AlternateContent xmlns:mc="http://schemas.openxmlformats.org/markup-compatibility/2006">
               <mc:Choice xmlns:v="urn:schemas-microsoft-com:vml" Requires="v">
-                <p:oleObj spid="_x0000_s4161" name="Equation" r:id="rId6" imgW="393480" imgH="342720" progId="Equation.DSMT4">
+                <p:oleObj spid="_x0000_s4168" name="Equation" r:id="rId6" imgW="393480" imgH="342720" progId="Equation.DSMT4">
                   <p:embed/>
                 </p:oleObj>
               </mc:Choice>
@@ -15785,7 +15853,7 @@
           <a:graphicData uri="http://schemas.openxmlformats.org/presentationml/2006/ole">
             <mc:AlternateContent xmlns:mc="http://schemas.openxmlformats.org/markup-compatibility/2006">
               <mc:Choice xmlns:v="urn:schemas-microsoft-com:vml" Requires="v">
-                <p:oleObj spid="_x0000_s4162" name="Equation" r:id="rId8" imgW="1917360" imgH="711000" progId="Equation.3">
+                <p:oleObj spid="_x0000_s4169" name="Equation" r:id="rId8" imgW="1917360" imgH="711000" progId="Equation.3">
                   <p:embed/>
                 </p:oleObj>
               </mc:Choice>
@@ -16471,7 +16539,7 @@
           <a:graphicData uri="http://schemas.openxmlformats.org/presentationml/2006/ole">
             <mc:AlternateContent xmlns:mc="http://schemas.openxmlformats.org/markup-compatibility/2006">
               <mc:Choice xmlns:v="urn:schemas-microsoft-com:vml" Requires="v">
-                <p:oleObj spid="_x0000_s12325" name="Equation" r:id="rId4" imgW="1701800" imgH="558800" progId="Equation.DSMT4">
+                <p:oleObj spid="_x0000_s12330" name="Equation" r:id="rId4" imgW="1701800" imgH="558800" progId="Equation.DSMT4">
                   <p:embed/>
                 </p:oleObj>
               </mc:Choice>
@@ -16528,7 +16596,7 @@
           <a:graphicData uri="http://schemas.openxmlformats.org/presentationml/2006/ole">
             <mc:AlternateContent xmlns:mc="http://schemas.openxmlformats.org/markup-compatibility/2006">
               <mc:Choice xmlns:v="urn:schemas-microsoft-com:vml" Requires="v">
-                <p:oleObj spid="_x0000_s12326" name="Equation" r:id="rId6" imgW="889000" imgH="292100" progId="Equation.DSMT4">
+                <p:oleObj spid="_x0000_s12331" name="Equation" r:id="rId6" imgW="889000" imgH="292100" progId="Equation.DSMT4">
                   <p:embed/>
                 </p:oleObj>
               </mc:Choice>
@@ -16766,7 +16834,7 @@
           <a:graphicData uri="http://schemas.openxmlformats.org/presentationml/2006/ole">
             <mc:AlternateContent xmlns:mc="http://schemas.openxmlformats.org/markup-compatibility/2006">
               <mc:Choice xmlns:v="urn:schemas-microsoft-com:vml" Requires="v">
-                <p:oleObj spid="_x0000_s10285" name="Equation" r:id="rId4" imgW="1473200" imgH="482600" progId="Equation.DSMT4">
+                <p:oleObj spid="_x0000_s10290" name="Equation" r:id="rId4" imgW="1473200" imgH="482600" progId="Equation.DSMT4">
                   <p:embed/>
                 </p:oleObj>
               </mc:Choice>
@@ -16861,7 +16929,7 @@
           <a:graphicData uri="http://schemas.openxmlformats.org/presentationml/2006/ole">
             <mc:AlternateContent xmlns:mc="http://schemas.openxmlformats.org/markup-compatibility/2006">
               <mc:Choice xmlns:v="urn:schemas-microsoft-com:vml" Requires="v">
-                <p:oleObj spid="_x0000_s10286" name="Equation" r:id="rId6" imgW="1562100" imgH="304800" progId="Equation.3">
+                <p:oleObj spid="_x0000_s10291" name="Equation" r:id="rId6" imgW="1562100" imgH="304800" progId="Equation.3">
                   <p:embed/>
                 </p:oleObj>
               </mc:Choice>
@@ -17278,7 +17346,7 @@
           <a:graphicData uri="http://schemas.openxmlformats.org/presentationml/2006/ole">
             <mc:AlternateContent xmlns:mc="http://schemas.openxmlformats.org/markup-compatibility/2006">
               <mc:Choice xmlns:v="urn:schemas-microsoft-com:vml" Requires="v">
-                <p:oleObj spid="_x0000_s8236" name="Equation" r:id="rId4" imgW="444500" imgH="304800" progId="Equation.3">
+                <p:oleObj spid="_x0000_s8241" name="Equation" r:id="rId4" imgW="444500" imgH="304800" progId="Equation.3">
                   <p:embed/>
                 </p:oleObj>
               </mc:Choice>
@@ -17335,7 +17403,7 @@
           <a:graphicData uri="http://schemas.openxmlformats.org/presentationml/2006/ole">
             <mc:AlternateContent xmlns:mc="http://schemas.openxmlformats.org/markup-compatibility/2006">
               <mc:Choice xmlns:v="urn:schemas-microsoft-com:vml" Requires="v">
-                <p:oleObj spid="_x0000_s8237" name="Equation" r:id="rId6" imgW="2616200" imgH="914400" progId="Equation.DSMT4">
+                <p:oleObj spid="_x0000_s8242" name="Equation" r:id="rId6" imgW="2616200" imgH="914400" progId="Equation.DSMT4">
                   <p:embed/>
                 </p:oleObj>
               </mc:Choice>
@@ -17746,7 +17814,7 @@
           <a:graphicData uri="http://schemas.openxmlformats.org/presentationml/2006/ole">
             <mc:AlternateContent xmlns:mc="http://schemas.openxmlformats.org/markup-compatibility/2006">
               <mc:Choice xmlns:v="urn:schemas-microsoft-com:vml" Requires="v">
-                <p:oleObj spid="_x0000_s43013" name="Equation" r:id="rId4" imgW="2616200" imgH="914400" progId="Equation.DSMT4">
+                <p:oleObj spid="_x0000_s43016" name="Equation" r:id="rId4" imgW="2616200" imgH="914400" progId="Equation.DSMT4">
                   <p:embed/>
                 </p:oleObj>
               </mc:Choice>
@@ -17843,7 +17911,7 @@
           <a:graphicData uri="http://schemas.openxmlformats.org/presentationml/2006/ole">
             <mc:AlternateContent xmlns:mc="http://schemas.openxmlformats.org/markup-compatibility/2006">
               <mc:Choice xmlns:v="urn:schemas-microsoft-com:vml" Requires="v">
-                <p:oleObj spid="_x0000_s11310" name="Equation" r:id="rId4" imgW="2336800" imgH="914400" progId="Equation.DSMT4">
+                <p:oleObj spid="_x0000_s11313" name="Equation" r:id="rId4" imgW="2336800" imgH="914400" progId="Equation.DSMT4">
                   <p:embed/>
                 </p:oleObj>
               </mc:Choice>
@@ -18335,7 +18403,7 @@
           <a:graphicData uri="http://schemas.openxmlformats.org/presentationml/2006/ole">
             <mc:AlternateContent xmlns:mc="http://schemas.openxmlformats.org/markup-compatibility/2006">
               <mc:Choice xmlns:v="urn:schemas-microsoft-com:vml" Requires="v">
-                <p:oleObj spid="_x0000_s13369" name="Equation" r:id="rId4" imgW="139700" imgH="215900" progId="Equation.DSMT4">
+                <p:oleObj spid="_x0000_s13374" name="Equation" r:id="rId4" imgW="139700" imgH="215900" progId="Equation.DSMT4">
                   <p:embed/>
                 </p:oleObj>
               </mc:Choice>
@@ -18392,7 +18460,7 @@
           <a:graphicData uri="http://schemas.openxmlformats.org/presentationml/2006/ole">
             <mc:AlternateContent xmlns:mc="http://schemas.openxmlformats.org/markup-compatibility/2006">
               <mc:Choice xmlns:v="urn:schemas-microsoft-com:vml" Requires="v">
-                <p:oleObj spid="_x0000_s13370" name="Equation" r:id="rId6" imgW="1257300" imgH="685800" progId="Equation.DSMT4">
+                <p:oleObj spid="_x0000_s13375" name="Equation" r:id="rId6" imgW="1257300" imgH="685800" progId="Equation.DSMT4">
                   <p:embed/>
                 </p:oleObj>
               </mc:Choice>

--- a/fall15/slidesF15/RingZn.pptx
+++ b/fall15/slidesF15/RingZn.pptx
@@ -5361,7 +5361,7 @@
           <a:graphicData uri="http://schemas.openxmlformats.org/presentationml/2006/ole">
             <mc:AlternateContent xmlns:mc="http://schemas.openxmlformats.org/markup-compatibility/2006">
               <mc:Choice xmlns:v="urn:schemas-microsoft-com:vml" Requires="v">
-                <p:oleObj spid="_x0000_s5145" name="Equation" r:id="rId4" imgW="203200" imgH="292100" progId="Equation.DSMT4">
+                <p:oleObj spid="_x0000_s5146" name="Equation" r:id="rId4" imgW="203200" imgH="292100" progId="Equation.DSMT4">
                   <p:embed/>
                 </p:oleObj>
               </mc:Choice>
@@ -5396,6 +5396,34 @@
           </a:graphicData>
         </a:graphic>
       </p:graphicFrame>
+      <p:sp>
+        <p:nvSpPr>
+          <p:cNvPr id="3" name="TextBox 2"/>
+          <p:cNvSpPr txBox="1"/>
+          <p:nvPr/>
+        </p:nvSpPr>
+        <p:spPr>
+          <a:xfrm>
+            <a:off x="63500" y="2235200"/>
+            <a:ext cx="184666" cy="1200329"/>
+          </a:xfrm>
+          <a:prstGeom prst="rect">
+            <a:avLst/>
+          </a:prstGeom>
+          <a:noFill/>
+        </p:spPr>
+        <p:txBody>
+          <a:bodyPr wrap="none" rtlCol="0">
+            <a:spAutoFit/>
+          </a:bodyPr>
+          <a:lstStyle/>
+          <a:p>
+            <a:endParaRPr lang="en-US" sz="7200" dirty="0" smtClean="0">
+              <a:latin typeface="+mj-lt"/>
+            </a:endParaRPr>
+          </a:p>
+        </p:txBody>
+      </p:sp>
     </p:spTree>
   </p:cSld>
   <p:clrMapOvr>
@@ -5496,7 +5524,7 @@
           <a:graphicData uri="http://schemas.openxmlformats.org/presentationml/2006/ole">
             <mc:AlternateContent xmlns:mc="http://schemas.openxmlformats.org/markup-compatibility/2006">
               <mc:Choice xmlns:v="urn:schemas-microsoft-com:vml" Requires="v">
-                <p:oleObj spid="_x0000_s14415" name="Equation" r:id="rId4" imgW="139700" imgH="215900" progId="Equation.DSMT4">
+                <p:oleObj spid="_x0000_s14421" name="Equation" r:id="rId4" imgW="139700" imgH="215900" progId="Equation.DSMT4">
                   <p:embed/>
                 </p:oleObj>
               </mc:Choice>
@@ -5553,7 +5581,7 @@
           <a:graphicData uri="http://schemas.openxmlformats.org/presentationml/2006/ole">
             <mc:AlternateContent xmlns:mc="http://schemas.openxmlformats.org/markup-compatibility/2006">
               <mc:Choice xmlns:v="urn:schemas-microsoft-com:vml" Requires="v">
-                <p:oleObj spid="_x0000_s14416" name="Equation" r:id="rId6" imgW="1257300" imgH="292100" progId="Equation.DSMT4">
+                <p:oleObj spid="_x0000_s14422" name="Equation" r:id="rId6" imgW="1257300" imgH="292100" progId="Equation.DSMT4">
                   <p:embed/>
                 </p:oleObj>
               </mc:Choice>
@@ -5612,9 +5640,18 @@
           <a:p>
             <a:r>
               <a:rPr lang="en-US" sz="6600" dirty="0" smtClean="0">
+                <a:solidFill>
+                  <a:srgbClr val="FF00FF"/>
+                </a:solidFill>
                 <a:latin typeface="+mj-lt"/>
               </a:rPr>
-              <a:t>no cancellation rule</a:t>
+              <a:t>no</a:t>
+            </a:r>
+            <a:r>
+              <a:rPr lang="en-US" sz="6600" dirty="0" smtClean="0">
+                <a:latin typeface="+mj-lt"/>
+              </a:rPr>
+              <a:t> cancellation rule</a:t>
             </a:r>
             <a:endParaRPr lang="en-US" sz="7200" dirty="0" smtClean="0">
               <a:latin typeface="+mj-lt"/>
@@ -5644,7 +5681,7 @@
           <a:graphicData uri="http://schemas.openxmlformats.org/presentationml/2006/ole">
             <mc:AlternateContent xmlns:mc="http://schemas.openxmlformats.org/markup-compatibility/2006">
               <mc:Choice xmlns:v="urn:schemas-microsoft-com:vml" Requires="v">
-                <p:oleObj spid="_x0000_s14417" name="Equation" r:id="rId8" imgW="1308100" imgH="292100" progId="Equation.DSMT4">
+                <p:oleObj spid="_x0000_s14423" name="Equation" r:id="rId8" imgW="1308100" imgH="292100" progId="Equation.DSMT4">
                   <p:embed/>
                 </p:oleObj>
               </mc:Choice>
@@ -6102,7 +6139,7 @@
           <a:graphicData uri="http://schemas.openxmlformats.org/presentationml/2006/ole">
             <mc:AlternateContent xmlns:mc="http://schemas.openxmlformats.org/markup-compatibility/2006">
               <mc:Choice xmlns:v="urn:schemas-microsoft-com:vml" Requires="v">
-                <p:oleObj spid="_x0000_s15424" name="Equation" r:id="rId4" imgW="139700" imgH="215900" progId="Equation.DSMT4">
+                <p:oleObj spid="_x0000_s15427" name="Equation" r:id="rId4" imgW="139700" imgH="215900" progId="Equation.DSMT4">
                   <p:embed/>
                 </p:oleObj>
               </mc:Choice>
@@ -6159,7 +6196,7 @@
           <a:graphicData uri="http://schemas.openxmlformats.org/presentationml/2006/ole">
             <mc:AlternateContent xmlns:mc="http://schemas.openxmlformats.org/markup-compatibility/2006">
               <mc:Choice xmlns:v="urn:schemas-microsoft-com:vml" Requires="v">
-                <p:oleObj spid="_x0000_s15425" name="Equation" r:id="rId6" imgW="1981200" imgH="660400" progId="Equation.3">
+                <p:oleObj spid="_x0000_s15428" name="Equation" r:id="rId6" imgW="1981200" imgH="660400" progId="Equation.3">
                   <p:embed/>
                 </p:oleObj>
               </mc:Choice>
@@ -6216,7 +6253,7 @@
           <a:graphicData uri="http://schemas.openxmlformats.org/presentationml/2006/ole">
             <mc:AlternateContent xmlns:mc="http://schemas.openxmlformats.org/markup-compatibility/2006">
               <mc:Choice xmlns:v="urn:schemas-microsoft-com:vml" Requires="v">
-                <p:oleObj spid="_x0000_s15426" name="Equation" r:id="rId8" imgW="1930400" imgH="812800" progId="Equation.DSMT4">
+                <p:oleObj spid="_x0000_s15429" name="Equation" r:id="rId8" imgW="1930400" imgH="812800" progId="Equation.DSMT4">
                   <p:embed/>
                 </p:oleObj>
               </mc:Choice>
@@ -6427,7 +6464,7 @@
           <a:graphicData uri="http://schemas.openxmlformats.org/presentationml/2006/ole">
             <mc:AlternateContent xmlns:mc="http://schemas.openxmlformats.org/markup-compatibility/2006">
               <mc:Choice xmlns:v="urn:schemas-microsoft-com:vml" Requires="v">
-                <p:oleObj spid="_x0000_s17464" name="Equation" r:id="rId4" imgW="139700" imgH="215900" progId="Equation.DSMT4">
+                <p:oleObj spid="_x0000_s17467" name="Equation" r:id="rId4" imgW="139700" imgH="215900" progId="Equation.DSMT4">
                   <p:embed/>
                 </p:oleObj>
               </mc:Choice>
@@ -6484,7 +6521,7 @@
           <a:graphicData uri="http://schemas.openxmlformats.org/presentationml/2006/ole">
             <mc:AlternateContent xmlns:mc="http://schemas.openxmlformats.org/markup-compatibility/2006">
               <mc:Choice xmlns:v="urn:schemas-microsoft-com:vml" Requires="v">
-                <p:oleObj spid="_x0000_s17465" name="Equation" r:id="rId6" imgW="1981200" imgH="660400" progId="Equation.3">
+                <p:oleObj spid="_x0000_s17468" name="Equation" r:id="rId6" imgW="1981200" imgH="660400" progId="Equation.3">
                   <p:embed/>
                 </p:oleObj>
               </mc:Choice>
@@ -6541,7 +6578,7 @@
           <a:graphicData uri="http://schemas.openxmlformats.org/presentationml/2006/ole">
             <mc:AlternateContent xmlns:mc="http://schemas.openxmlformats.org/markup-compatibility/2006">
               <mc:Choice xmlns:v="urn:schemas-microsoft-com:vml" Requires="v">
-                <p:oleObj spid="_x0000_s17466" name="Equation" r:id="rId8" imgW="812800" imgH="355600" progId="Equation.DSMT4">
+                <p:oleObj spid="_x0000_s17469" name="Equation" r:id="rId8" imgW="812800" imgH="355600" progId="Equation.DSMT4">
                   <p:embed/>
                 </p:oleObj>
               </mc:Choice>
@@ -6708,7 +6745,7 @@
           <a:graphicData uri="http://schemas.openxmlformats.org/presentationml/2006/ole">
             <mc:AlternateContent xmlns:mc="http://schemas.openxmlformats.org/markup-compatibility/2006">
               <mc:Choice xmlns:v="urn:schemas-microsoft-com:vml" Requires="v">
-                <p:oleObj spid="_x0000_s16442" name="Equation" r:id="rId4" imgW="114300" imgH="165100" progId="Equation.3">
+                <p:oleObj spid="_x0000_s16445" name="Equation" r:id="rId4" imgW="114300" imgH="165100" progId="Equation.3">
                   <p:embed/>
                 </p:oleObj>
               </mc:Choice>
@@ -6765,7 +6802,7 @@
           <a:graphicData uri="http://schemas.openxmlformats.org/presentationml/2006/ole">
             <mc:AlternateContent xmlns:mc="http://schemas.openxmlformats.org/markup-compatibility/2006">
               <mc:Choice xmlns:v="urn:schemas-microsoft-com:vml" Requires="v">
-                <p:oleObj spid="_x0000_s16443" name="Equation" r:id="rId6" imgW="939800" imgH="292100" progId="Equation.DSMT4">
+                <p:oleObj spid="_x0000_s16446" name="Equation" r:id="rId6" imgW="939800" imgH="292100" progId="Equation.DSMT4">
                   <p:embed/>
                 </p:oleObj>
               </mc:Choice>
@@ -6822,7 +6859,7 @@
           <a:graphicData uri="http://schemas.openxmlformats.org/presentationml/2006/ole">
             <mc:AlternateContent xmlns:mc="http://schemas.openxmlformats.org/markup-compatibility/2006">
               <mc:Choice xmlns:v="urn:schemas-microsoft-com:vml" Requires="v">
-                <p:oleObj spid="_x0000_s16444" name="Equation" r:id="rId8" imgW="736600" imgH="292100" progId="Equation.DSMT4">
+                <p:oleObj spid="_x0000_s16447" name="Equation" r:id="rId8" imgW="736600" imgH="292100" progId="Equation.DSMT4">
                   <p:embed/>
                 </p:oleObj>
               </mc:Choice>
@@ -7065,7 +7102,7 @@
           <a:graphicData uri="http://schemas.openxmlformats.org/presentationml/2006/ole">
             <mc:AlternateContent xmlns:mc="http://schemas.openxmlformats.org/markup-compatibility/2006">
               <mc:Choice xmlns:v="urn:schemas-microsoft-com:vml" Requires="v">
-                <p:oleObj spid="_x0000_s18508" name="Equation" r:id="rId4" imgW="114300" imgH="165100" progId="Equation.3">
+                <p:oleObj spid="_x0000_s18512" name="Equation" r:id="rId4" imgW="114300" imgH="165100" progId="Equation.3">
                   <p:embed/>
                 </p:oleObj>
               </mc:Choice>
@@ -7122,7 +7159,7 @@
           <a:graphicData uri="http://schemas.openxmlformats.org/presentationml/2006/ole">
             <mc:AlternateContent xmlns:mc="http://schemas.openxmlformats.org/markup-compatibility/2006">
               <mc:Choice xmlns:v="urn:schemas-microsoft-com:vml" Requires="v">
-                <p:oleObj spid="_x0000_s18509" name="Equation" r:id="rId6" imgW="469900" imgH="304800" progId="Equation.3">
+                <p:oleObj spid="_x0000_s18513" name="Equation" r:id="rId6" imgW="469900" imgH="304800" progId="Equation.3">
                   <p:embed/>
                 </p:oleObj>
               </mc:Choice>
@@ -7179,7 +7216,7 @@
           <a:graphicData uri="http://schemas.openxmlformats.org/presentationml/2006/ole">
             <mc:AlternateContent xmlns:mc="http://schemas.openxmlformats.org/markup-compatibility/2006">
               <mc:Choice xmlns:v="urn:schemas-microsoft-com:vml" Requires="v">
-                <p:oleObj spid="_x0000_s18510" name="Equation" r:id="rId8" imgW="596900" imgH="330200" progId="Equation.DSMT4">
+                <p:oleObj spid="_x0000_s18514" name="Equation" r:id="rId8" imgW="596900" imgH="330200" progId="Equation.DSMT4">
                   <p:embed/>
                 </p:oleObj>
               </mc:Choice>
@@ -7236,7 +7273,7 @@
           <a:graphicData uri="http://schemas.openxmlformats.org/presentationml/2006/ole">
             <mc:AlternateContent xmlns:mc="http://schemas.openxmlformats.org/markup-compatibility/2006">
               <mc:Choice xmlns:v="urn:schemas-microsoft-com:vml" Requires="v">
-                <p:oleObj spid="_x0000_s18511" name="Equation" r:id="rId10" imgW="787400" imgH="292100" progId="Equation.DSMT4">
+                <p:oleObj spid="_x0000_s18515" name="Equation" r:id="rId10" imgW="787400" imgH="292100" progId="Equation.DSMT4">
                   <p:embed/>
                 </p:oleObj>
               </mc:Choice>
@@ -7532,7 +7569,7 @@
           <a:graphicData uri="http://schemas.openxmlformats.org/presentationml/2006/ole">
             <mc:AlternateContent xmlns:mc="http://schemas.openxmlformats.org/markup-compatibility/2006">
               <mc:Choice xmlns:v="urn:schemas-microsoft-com:vml" Requires="v">
-                <p:oleObj spid="_x0000_s19512" name="Equation" r:id="rId4" imgW="114300" imgH="165100" progId="Equation.3">
+                <p:oleObj spid="_x0000_s19515" name="Equation" r:id="rId4" imgW="114300" imgH="165100" progId="Equation.3">
                   <p:embed/>
                 </p:oleObj>
               </mc:Choice>
@@ -7589,7 +7626,7 @@
           <a:graphicData uri="http://schemas.openxmlformats.org/presentationml/2006/ole">
             <mc:AlternateContent xmlns:mc="http://schemas.openxmlformats.org/markup-compatibility/2006">
               <mc:Choice xmlns:v="urn:schemas-microsoft-com:vml" Requires="v">
-                <p:oleObj spid="_x0000_s19513" name="Equation" r:id="rId6" imgW="596900" imgH="330200" progId="Equation.DSMT4">
+                <p:oleObj spid="_x0000_s19516" name="Equation" r:id="rId6" imgW="596900" imgH="330200" progId="Equation.DSMT4">
                   <p:embed/>
                 </p:oleObj>
               </mc:Choice>
@@ -7646,7 +7683,7 @@
           <a:graphicData uri="http://schemas.openxmlformats.org/presentationml/2006/ole">
             <mc:AlternateContent xmlns:mc="http://schemas.openxmlformats.org/markup-compatibility/2006">
               <mc:Choice xmlns:v="urn:schemas-microsoft-com:vml" Requires="v">
-                <p:oleObj spid="_x0000_s19514" name="Equation" r:id="rId8" imgW="1689100" imgH="673100" progId="Equation.DSMT4">
+                <p:oleObj spid="_x0000_s19517" name="Equation" r:id="rId8" imgW="1689100" imgH="673100" progId="Equation.DSMT4">
                   <p:embed/>
                 </p:oleObj>
               </mc:Choice>
@@ -7813,7 +7850,7 @@
           <a:graphicData uri="http://schemas.openxmlformats.org/presentationml/2006/ole">
             <mc:AlternateContent xmlns:mc="http://schemas.openxmlformats.org/markup-compatibility/2006">
               <mc:Choice xmlns:v="urn:schemas-microsoft-com:vml" Requires="v">
-                <p:oleObj spid="_x0000_s20537" name="Equation" r:id="rId4" imgW="114300" imgH="165100" progId="Equation.3">
+                <p:oleObj spid="_x0000_s20540" name="Equation" r:id="rId4" imgW="114300" imgH="165100" progId="Equation.3">
                   <p:embed/>
                 </p:oleObj>
               </mc:Choice>
@@ -7870,7 +7907,7 @@
           <a:graphicData uri="http://schemas.openxmlformats.org/presentationml/2006/ole">
             <mc:AlternateContent xmlns:mc="http://schemas.openxmlformats.org/markup-compatibility/2006">
               <mc:Choice xmlns:v="urn:schemas-microsoft-com:vml" Requires="v">
-                <p:oleObj spid="_x0000_s20538" name="Equation" r:id="rId6" imgW="1485900" imgH="292100" progId="Equation.DSMT4">
+                <p:oleObj spid="_x0000_s20541" name="Equation" r:id="rId6" imgW="1485900" imgH="292100" progId="Equation.DSMT4">
                   <p:embed/>
                 </p:oleObj>
               </mc:Choice>
@@ -7927,7 +7964,7 @@
           <a:graphicData uri="http://schemas.openxmlformats.org/presentationml/2006/ole">
             <mc:AlternateContent xmlns:mc="http://schemas.openxmlformats.org/markup-compatibility/2006">
               <mc:Choice xmlns:v="urn:schemas-microsoft-com:vml" Requires="v">
-                <p:oleObj spid="_x0000_s20539" name="Equation" r:id="rId8" imgW="863600" imgH="292100" progId="Equation.DSMT4">
+                <p:oleObj spid="_x0000_s20542" name="Equation" r:id="rId8" imgW="863600" imgH="292100" progId="Equation.DSMT4">
                   <p:embed/>
                 </p:oleObj>
               </mc:Choice>
@@ -8170,7 +8207,7 @@
           <a:graphicData uri="http://schemas.openxmlformats.org/presentationml/2006/ole">
             <mc:AlternateContent xmlns:mc="http://schemas.openxmlformats.org/markup-compatibility/2006">
               <mc:Choice xmlns:v="urn:schemas-microsoft-com:vml" Requires="v">
-                <p:oleObj spid="_x0000_s21563" name="Equation" r:id="rId4" imgW="114300" imgH="165100" progId="Equation.3">
+                <p:oleObj spid="_x0000_s21566" name="Equation" r:id="rId4" imgW="114300" imgH="165100" progId="Equation.3">
                   <p:embed/>
                 </p:oleObj>
               </mc:Choice>
@@ -8227,7 +8264,7 @@
           <a:graphicData uri="http://schemas.openxmlformats.org/presentationml/2006/ole">
             <mc:AlternateContent xmlns:mc="http://schemas.openxmlformats.org/markup-compatibility/2006">
               <mc:Choice xmlns:v="urn:schemas-microsoft-com:vml" Requires="v">
-                <p:oleObj spid="_x0000_s21564" name="Equation" r:id="rId6" imgW="762000" imgH="292100" progId="Equation.DSMT4">
+                <p:oleObj spid="_x0000_s21567" name="Equation" r:id="rId6" imgW="762000" imgH="292100" progId="Equation.DSMT4">
                   <p:embed/>
                 </p:oleObj>
               </mc:Choice>
@@ -8284,7 +8321,7 @@
           <a:graphicData uri="http://schemas.openxmlformats.org/presentationml/2006/ole">
             <mc:AlternateContent xmlns:mc="http://schemas.openxmlformats.org/markup-compatibility/2006">
               <mc:Choice xmlns:v="urn:schemas-microsoft-com:vml" Requires="v">
-                <p:oleObj spid="_x0000_s21565" name="Equation" r:id="rId8" imgW="635000" imgH="292100" progId="Equation.DSMT4">
+                <p:oleObj spid="_x0000_s21568" name="Equation" r:id="rId8" imgW="635000" imgH="292100" progId="Equation.DSMT4">
                   <p:embed/>
                 </p:oleObj>
               </mc:Choice>
@@ -8825,7 +8862,7 @@
           <a:graphicData uri="http://schemas.openxmlformats.org/presentationml/2006/ole">
             <mc:AlternateContent xmlns:mc="http://schemas.openxmlformats.org/markup-compatibility/2006">
               <mc:Choice xmlns:v="urn:schemas-microsoft-com:vml" Requires="v">
-                <p:oleObj spid="_x0000_s28709" name="Equation" r:id="rId4" imgW="368300" imgH="292100" progId="Equation.DSMT4">
+                <p:oleObj spid="_x0000_s28711" name="Equation" r:id="rId4" imgW="368300" imgH="292100" progId="Equation.DSMT4">
                   <p:embed/>
                 </p:oleObj>
               </mc:Choice>
@@ -8949,7 +8986,7 @@
             <a:graphicData uri="http://schemas.openxmlformats.org/presentationml/2006/ole">
               <mc:AlternateContent xmlns:mc="http://schemas.openxmlformats.org/markup-compatibility/2006">
                 <mc:Choice xmlns:v="urn:schemas-microsoft-com:vml" Requires="v">
-                  <p:oleObj spid="_x0000_s28710" name="Equation" r:id="rId6" imgW="203200" imgH="292100" progId="Equation.DSMT4">
+                  <p:oleObj spid="_x0000_s28712" name="Equation" r:id="rId6" imgW="203200" imgH="292100" progId="Equation.DSMT4">
                     <p:embed/>
                   </p:oleObj>
                 </mc:Choice>
@@ -9844,7 +9881,7 @@
           <a:graphicData uri="http://schemas.openxmlformats.org/presentationml/2006/ole">
             <mc:AlternateContent xmlns:mc="http://schemas.openxmlformats.org/markup-compatibility/2006">
               <mc:Choice xmlns:v="urn:schemas-microsoft-com:vml" Requires="v">
-                <p:oleObj spid="_x0000_s29733" name="Equation" r:id="rId4" imgW="368300" imgH="292100" progId="Equation.DSMT4">
+                <p:oleObj spid="_x0000_s29735" name="Equation" r:id="rId4" imgW="368300" imgH="292100" progId="Equation.DSMT4">
                   <p:embed/>
                 </p:oleObj>
               </mc:Choice>
@@ -9968,7 +10005,7 @@
             <a:graphicData uri="http://schemas.openxmlformats.org/presentationml/2006/ole">
               <mc:AlternateContent xmlns:mc="http://schemas.openxmlformats.org/markup-compatibility/2006">
                 <mc:Choice xmlns:v="urn:schemas-microsoft-com:vml" Requires="v">
-                  <p:oleObj spid="_x0000_s29734" name="Equation" r:id="rId6" imgW="203200" imgH="292100" progId="Equation.DSMT4">
+                  <p:oleObj spid="_x0000_s29736" name="Equation" r:id="rId6" imgW="203200" imgH="292100" progId="Equation.DSMT4">
                     <p:embed/>
                   </p:oleObj>
                 </mc:Choice>
@@ -10075,7 +10112,7 @@
           <a:graphicData uri="http://schemas.openxmlformats.org/presentationml/2006/ole">
             <mc:AlternateContent xmlns:mc="http://schemas.openxmlformats.org/markup-compatibility/2006">
               <mc:Choice xmlns:v="urn:schemas-microsoft-com:vml" Requires="v">
-                <p:oleObj spid="_x0000_s6251" name="Equation" r:id="rId4" imgW="203200" imgH="292100" progId="Equation.DSMT4">
+                <p:oleObj spid="_x0000_s6259" name="Equation" r:id="rId4" imgW="203200" imgH="292100" progId="Equation.DSMT4">
                   <p:embed/>
                 </p:oleObj>
               </mc:Choice>
@@ -10158,16 +10195,26 @@
             <p:ph type="title"/>
           </p:nvPr>
         </p:nvSpPr>
-        <p:spPr/>
+        <p:spPr>
+          <a:xfrm>
+            <a:off x="838200" y="-76200"/>
+            <a:ext cx="8001000" cy="1219200"/>
+          </a:xfrm>
+        </p:spPr>
         <p:txBody>
           <a:bodyPr/>
           <a:lstStyle/>
           <a:p>
             <a:pPr eaLnBrk="1" hangingPunct="1"/>
             <a:r>
-              <a:rPr lang="en-US" sz="4400" dirty="0" smtClean="0"/>
-              <a:t>    Just Remainders</a:t>
+              <a:rPr lang="en-US" sz="4000" dirty="0" smtClean="0"/>
+              <a:t>  </a:t>
             </a:r>
+            <a:r>
+              <a:rPr lang="en-US" sz="4000" dirty="0" smtClean="0"/>
+              <a:t>Only the Remainder Interval</a:t>
+            </a:r>
+            <a:endParaRPr lang="en-US" sz="4000" dirty="0" smtClean="0"/>
           </a:p>
         </p:txBody>
       </p:sp>
@@ -10283,7 +10330,7 @@
           <a:graphicData uri="http://schemas.openxmlformats.org/presentationml/2006/ole">
             <mc:AlternateContent xmlns:mc="http://schemas.openxmlformats.org/markup-compatibility/2006">
               <mc:Choice xmlns:v="urn:schemas-microsoft-com:vml" Requires="v">
-                <p:oleObj spid="_x0000_s6252" name="Equation" r:id="rId6" imgW="203200" imgH="292100" progId="Equation.DSMT4">
+                <p:oleObj spid="_x0000_s6260" name="Equation" r:id="rId6" imgW="203200" imgH="292100" progId="Equation.DSMT4">
                   <p:embed/>
                 </p:oleObj>
               </mc:Choice>
@@ -10340,7 +10387,7 @@
           <a:graphicData uri="http://schemas.openxmlformats.org/presentationml/2006/ole">
             <mc:AlternateContent xmlns:mc="http://schemas.openxmlformats.org/markup-compatibility/2006">
               <mc:Choice xmlns:v="urn:schemas-microsoft-com:vml" Requires="v">
-                <p:oleObj spid="_x0000_s6253" name="Equation" r:id="rId8" imgW="1943100" imgH="558800" progId="Equation.DSMT4">
+                <p:oleObj spid="_x0000_s6261" name="Equation" r:id="rId8" imgW="1943100" imgH="558800" progId="Equation.DSMT4">
                   <p:embed/>
                 </p:oleObj>
               </mc:Choice>
@@ -10397,7 +10444,7 @@
           <a:graphicData uri="http://schemas.openxmlformats.org/presentationml/2006/ole">
             <mc:AlternateContent xmlns:mc="http://schemas.openxmlformats.org/markup-compatibility/2006">
               <mc:Choice xmlns:v="urn:schemas-microsoft-com:vml" Requires="v">
-                <p:oleObj spid="_x0000_s6254" name="Equation" r:id="rId10" imgW="660400" imgH="292100" progId="Equation.DSMT4">
+                <p:oleObj spid="_x0000_s6262" name="Equation" r:id="rId10" imgW="660400" imgH="292100" progId="Equation.DSMT4">
                   <p:embed/>
                 </p:oleObj>
               </mc:Choice>
@@ -10778,30 +10825,21 @@
                             </p:childTnLst>
                           </p:cTn>
                         </p:par>
-                      </p:childTnLst>
-                    </p:cTn>
-                  </p:par>
-                  <p:par>
-                    <p:cTn id="32" fill="hold">
-                      <p:stCondLst>
-                        <p:cond delay="indefinite"/>
-                      </p:stCondLst>
-                      <p:childTnLst>
                         <p:par>
-                          <p:cTn id="33" fill="hold">
+                          <p:cTn id="32" fill="hold">
                             <p:stCondLst>
-                              <p:cond delay="0"/>
+                              <p:cond delay="500"/>
                             </p:stCondLst>
                             <p:childTnLst>
                               <p:par>
-                                <p:cTn id="34" presetID="55" presetClass="entr" presetSubtype="0" fill="hold" grpId="0" nodeType="clickEffect">
+                                <p:cTn id="33" presetID="55" presetClass="entr" presetSubtype="0" fill="hold" grpId="0" nodeType="afterEffect">
                                   <p:stCondLst>
                                     <p:cond delay="0"/>
                                   </p:stCondLst>
                                   <p:childTnLst>
                                     <p:set>
                                       <p:cBhvr>
-                                        <p:cTn id="35" dur="1" fill="hold">
+                                        <p:cTn id="34" dur="1" fill="hold">
                                           <p:stCondLst>
                                             <p:cond delay="0"/>
                                           </p:stCondLst>
@@ -10823,7 +10861,7 @@
                                     </p:set>
                                     <p:anim calcmode="lin" valueType="num">
                                       <p:cBhvr>
-                                        <p:cTn id="36" dur="1000" fill="hold"/>
+                                        <p:cTn id="35" dur="1000" fill="hold"/>
                                         <p:tgtEl>
                                           <p:spTgt spid="385027">
                                             <p:txEl>
@@ -10850,7 +10888,7 @@
                                     </p:anim>
                                     <p:anim calcmode="lin" valueType="num">
                                       <p:cBhvr>
-                                        <p:cTn id="37" dur="1000" fill="hold"/>
+                                        <p:cTn id="36" dur="1000" fill="hold"/>
                                         <p:tgtEl>
                                           <p:spTgt spid="385027">
                                             <p:txEl>
@@ -10877,7 +10915,7 @@
                                     </p:anim>
                                     <p:animEffect transition="in" filter="fade">
                                       <p:cBhvr>
-                                        <p:cTn id="38" dur="1000"/>
+                                        <p:cTn id="37" dur="1000"/>
                                         <p:tgtEl>
                                           <p:spTgt spid="385027">
                                             <p:txEl>
@@ -11694,7 +11732,7 @@
             <a:graphicData uri="http://schemas.openxmlformats.org/presentationml/2006/ole">
               <mc:AlternateContent xmlns:mc="http://schemas.openxmlformats.org/markup-compatibility/2006">
                 <mc:Choice xmlns:v="urn:schemas-microsoft-com:vml" Requires="v">
-                  <p:oleObj spid="_x0000_s30758" name="Equation" r:id="rId4" imgW="203200" imgH="292100" progId="Equation.DSMT4">
+                  <p:oleObj spid="_x0000_s30760" name="Equation" r:id="rId4" imgW="203200" imgH="292100" progId="Equation.DSMT4">
                     <p:embed/>
                   </p:oleObj>
                 </mc:Choice>
@@ -11752,7 +11790,7 @@
           <a:graphicData uri="http://schemas.openxmlformats.org/presentationml/2006/ole">
             <mc:AlternateContent xmlns:mc="http://schemas.openxmlformats.org/markup-compatibility/2006">
               <mc:Choice xmlns:v="urn:schemas-microsoft-com:vml" Requires="v">
-                <p:oleObj spid="_x0000_s30759" name="Equation" r:id="rId6" imgW="368300" imgH="292100" progId="Equation.DSMT4">
+                <p:oleObj spid="_x0000_s30761" name="Equation" r:id="rId6" imgW="368300" imgH="292100" progId="Equation.DSMT4">
                   <p:embed/>
                 </p:oleObj>
               </mc:Choice>
@@ -11919,7 +11957,7 @@
           <a:graphicData uri="http://schemas.openxmlformats.org/presentationml/2006/ole">
             <mc:AlternateContent xmlns:mc="http://schemas.openxmlformats.org/markup-compatibility/2006">
               <mc:Choice xmlns:v="urn:schemas-microsoft-com:vml" Requires="v">
-                <p:oleObj spid="_x0000_s34852" name="Equation" r:id="rId4" imgW="114300" imgH="165100" progId="Equation.3">
+                <p:oleObj spid="_x0000_s34855" name="Equation" r:id="rId4" imgW="114300" imgH="165100" progId="Equation.3">
                   <p:embed/>
                 </p:oleObj>
               </mc:Choice>
@@ -11976,7 +12014,7 @@
           <a:graphicData uri="http://schemas.openxmlformats.org/presentationml/2006/ole">
             <mc:AlternateContent xmlns:mc="http://schemas.openxmlformats.org/markup-compatibility/2006">
               <mc:Choice xmlns:v="urn:schemas-microsoft-com:vml" Requires="v">
-                <p:oleObj spid="_x0000_s34853" name="Equation" r:id="rId6" imgW="762000" imgH="292100" progId="Equation.DSMT4">
+                <p:oleObj spid="_x0000_s34856" name="Equation" r:id="rId6" imgW="762000" imgH="292100" progId="Equation.DSMT4">
                   <p:embed/>
                 </p:oleObj>
               </mc:Choice>
@@ -12033,7 +12071,7 @@
           <a:graphicData uri="http://schemas.openxmlformats.org/presentationml/2006/ole">
             <mc:AlternateContent xmlns:mc="http://schemas.openxmlformats.org/markup-compatibility/2006">
               <mc:Choice xmlns:v="urn:schemas-microsoft-com:vml" Requires="v">
-                <p:oleObj spid="_x0000_s34854" name="Equation" r:id="rId8" imgW="635000" imgH="292100" progId="Equation.DSMT4">
+                <p:oleObj spid="_x0000_s34857" name="Equation" r:id="rId8" imgW="635000" imgH="292100" progId="Equation.DSMT4">
                   <p:embed/>
                 </p:oleObj>
               </mc:Choice>
@@ -12191,7 +12229,7 @@
           <a:graphicData uri="http://schemas.openxmlformats.org/presentationml/2006/ole">
             <mc:AlternateContent xmlns:mc="http://schemas.openxmlformats.org/markup-compatibility/2006">
               <mc:Choice xmlns:v="urn:schemas-microsoft-com:vml" Requires="v">
-                <p:oleObj spid="_x0000_s24620" name="Equation" r:id="rId4" imgW="114300" imgH="165100" progId="Equation.3">
+                <p:oleObj spid="_x0000_s24622" name="Equation" r:id="rId4" imgW="114300" imgH="165100" progId="Equation.3">
                   <p:embed/>
                 </p:oleObj>
               </mc:Choice>
@@ -12248,7 +12286,7 @@
           <a:graphicData uri="http://schemas.openxmlformats.org/presentationml/2006/ole">
             <mc:AlternateContent xmlns:mc="http://schemas.openxmlformats.org/markup-compatibility/2006">
               <mc:Choice xmlns:v="urn:schemas-microsoft-com:vml" Requires="v">
-                <p:oleObj spid="_x0000_s24621" name="Equation" r:id="rId6" imgW="990600" imgH="292100" progId="Equation.DSMT4">
+                <p:oleObj spid="_x0000_s24623" name="Equation" r:id="rId6" imgW="990600" imgH="292100" progId="Equation.DSMT4">
                   <p:embed/>
                 </p:oleObj>
               </mc:Choice>
@@ -12555,7 +12593,7 @@
           <a:graphicData uri="http://schemas.openxmlformats.org/presentationml/2006/ole">
             <mc:AlternateContent xmlns:mc="http://schemas.openxmlformats.org/markup-compatibility/2006">
               <mc:Choice xmlns:v="urn:schemas-microsoft-com:vml" Requires="v">
-                <p:oleObj spid="_x0000_s27686" name="Equation" r:id="rId4" imgW="114300" imgH="165100" progId="Equation.3">
+                <p:oleObj spid="_x0000_s27688" name="Equation" r:id="rId4" imgW="114300" imgH="165100" progId="Equation.3">
                   <p:embed/>
                 </p:oleObj>
               </mc:Choice>
@@ -12612,7 +12650,7 @@
           <a:graphicData uri="http://schemas.openxmlformats.org/presentationml/2006/ole">
             <mc:AlternateContent xmlns:mc="http://schemas.openxmlformats.org/markup-compatibility/2006">
               <mc:Choice xmlns:v="urn:schemas-microsoft-com:vml" Requires="v">
-                <p:oleObj spid="_x0000_s27687" name="Equation" r:id="rId6" imgW="1231900" imgH="558800" progId="Equation.DSMT4">
+                <p:oleObj spid="_x0000_s27689" name="Equation" r:id="rId6" imgW="1231900" imgH="558800" progId="Equation.DSMT4">
                   <p:embed/>
                 </p:oleObj>
               </mc:Choice>
@@ -12784,7 +12822,7 @@
           <a:graphicData uri="http://schemas.openxmlformats.org/presentationml/2006/ole">
             <mc:AlternateContent xmlns:mc="http://schemas.openxmlformats.org/markup-compatibility/2006">
               <mc:Choice xmlns:v="urn:schemas-microsoft-com:vml" Requires="v">
-                <p:oleObj spid="_x0000_s26663" name="Equation" r:id="rId4" imgW="114300" imgH="165100" progId="Equation.3">
+                <p:oleObj spid="_x0000_s26665" name="Equation" r:id="rId4" imgW="114300" imgH="165100" progId="Equation.3">
                   <p:embed/>
                 </p:oleObj>
               </mc:Choice>
@@ -12841,7 +12879,7 @@
           <a:graphicData uri="http://schemas.openxmlformats.org/presentationml/2006/ole">
             <mc:AlternateContent xmlns:mc="http://schemas.openxmlformats.org/markup-compatibility/2006">
               <mc:Choice xmlns:v="urn:schemas-microsoft-com:vml" Requires="v">
-                <p:oleObj spid="_x0000_s26664" name="Equation" r:id="rId6" imgW="1206500" imgH="558800" progId="Equation.3">
+                <p:oleObj spid="_x0000_s26666" name="Equation" r:id="rId6" imgW="1206500" imgH="558800" progId="Equation.3">
                   <p:embed/>
                 </p:oleObj>
               </mc:Choice>
@@ -13158,7 +13196,7 @@
           <a:graphicData uri="http://schemas.openxmlformats.org/presentationml/2006/ole">
             <mc:AlternateContent xmlns:mc="http://schemas.openxmlformats.org/markup-compatibility/2006">
               <mc:Choice xmlns:v="urn:schemas-microsoft-com:vml" Requires="v">
-                <p:oleObj spid="_x0000_s38935" name="Equation" r:id="rId4" imgW="114300" imgH="165100" progId="Equation.3">
+                <p:oleObj spid="_x0000_s38937" name="Equation" r:id="rId4" imgW="114300" imgH="165100" progId="Equation.3">
                   <p:embed/>
                 </p:oleObj>
               </mc:Choice>
@@ -13215,7 +13253,7 @@
           <a:graphicData uri="http://schemas.openxmlformats.org/presentationml/2006/ole">
             <mc:AlternateContent xmlns:mc="http://schemas.openxmlformats.org/markup-compatibility/2006">
               <mc:Choice xmlns:v="urn:schemas-microsoft-com:vml" Requires="v">
-                <p:oleObj spid="_x0000_s38936" name="Equation" r:id="rId6" imgW="825500" imgH="457200" progId="Equation.DSMT4">
+                <p:oleObj spid="_x0000_s38938" name="Equation" r:id="rId6" imgW="825500" imgH="457200" progId="Equation.DSMT4">
                   <p:embed/>
                 </p:oleObj>
               </mc:Choice>
@@ -13387,7 +13425,7 @@
           <a:graphicData uri="http://schemas.openxmlformats.org/presentationml/2006/ole">
             <mc:AlternateContent xmlns:mc="http://schemas.openxmlformats.org/markup-compatibility/2006">
               <mc:Choice xmlns:v="urn:schemas-microsoft-com:vml" Requires="v">
-                <p:oleObj spid="_x0000_s23599" name="Equation" r:id="rId4" imgW="114300" imgH="165100" progId="Equation.3">
+                <p:oleObj spid="_x0000_s23601" name="Equation" r:id="rId4" imgW="114300" imgH="165100" progId="Equation.3">
                   <p:embed/>
                 </p:oleObj>
               </mc:Choice>
@@ -13444,7 +13482,7 @@
           <a:graphicData uri="http://schemas.openxmlformats.org/presentationml/2006/ole">
             <mc:AlternateContent xmlns:mc="http://schemas.openxmlformats.org/markup-compatibility/2006">
               <mc:Choice xmlns:v="urn:schemas-microsoft-com:vml" Requires="v">
-                <p:oleObj spid="_x0000_s23600" name="Equation" r:id="rId6" imgW="863600" imgH="279400" progId="Equation.3">
+                <p:oleObj spid="_x0000_s23602" name="Equation" r:id="rId6" imgW="863600" imgH="279400" progId="Equation.3">
                   <p:embed/>
                 </p:oleObj>
               </mc:Choice>
@@ -13833,7 +13871,7 @@
           <a:graphicData uri="http://schemas.openxmlformats.org/presentationml/2006/ole">
             <mc:AlternateContent xmlns:mc="http://schemas.openxmlformats.org/markup-compatibility/2006">
               <mc:Choice xmlns:v="urn:schemas-microsoft-com:vml" Requires="v">
-                <p:oleObj spid="_x0000_s22599" name="Equation" r:id="rId4" imgW="114300" imgH="165100" progId="Equation.3">
+                <p:oleObj spid="_x0000_s22603" name="Equation" r:id="rId4" imgW="114300" imgH="165100" progId="Equation.3">
                   <p:embed/>
                 </p:oleObj>
               </mc:Choice>
@@ -13890,7 +13928,7 @@
           <a:graphicData uri="http://schemas.openxmlformats.org/presentationml/2006/ole">
             <mc:AlternateContent xmlns:mc="http://schemas.openxmlformats.org/markup-compatibility/2006">
               <mc:Choice xmlns:v="urn:schemas-microsoft-com:vml" Requires="v">
-                <p:oleObj spid="_x0000_s22600" name="Equation" r:id="rId6" imgW="762000" imgH="292100" progId="Equation.DSMT4">
+                <p:oleObj spid="_x0000_s22604" name="Equation" r:id="rId6" imgW="762000" imgH="292100" progId="Equation.DSMT4">
                   <p:embed/>
                 </p:oleObj>
               </mc:Choice>
@@ -13947,7 +13985,7 @@
           <a:graphicData uri="http://schemas.openxmlformats.org/presentationml/2006/ole">
             <mc:AlternateContent xmlns:mc="http://schemas.openxmlformats.org/markup-compatibility/2006">
               <mc:Choice xmlns:v="urn:schemas-microsoft-com:vml" Requires="v">
-                <p:oleObj spid="_x0000_s22601" name="Equation" r:id="rId8" imgW="1790700" imgH="584200" progId="Equation.DSMT4">
+                <p:oleObj spid="_x0000_s22605" name="Equation" r:id="rId8" imgW="1790700" imgH="584200" progId="Equation.DSMT4">
                   <p:embed/>
                 </p:oleObj>
               </mc:Choice>
@@ -14004,7 +14042,7 @@
           <a:graphicData uri="http://schemas.openxmlformats.org/presentationml/2006/ole">
             <mc:AlternateContent xmlns:mc="http://schemas.openxmlformats.org/markup-compatibility/2006">
               <mc:Choice xmlns:v="urn:schemas-microsoft-com:vml" Requires="v">
-                <p:oleObj spid="_x0000_s22602" name="Equation" r:id="rId10" imgW="1485900" imgH="330200" progId="Equation.DSMT4">
+                <p:oleObj spid="_x0000_s22606" name="Equation" r:id="rId10" imgW="1485900" imgH="330200" progId="Equation.DSMT4">
                   <p:embed/>
                 </p:oleObj>
               </mc:Choice>
@@ -14165,7 +14203,7 @@
           <a:graphicData uri="http://schemas.openxmlformats.org/presentationml/2006/ole">
             <mc:AlternateContent xmlns:mc="http://schemas.openxmlformats.org/markup-compatibility/2006">
               <mc:Choice xmlns:v="urn:schemas-microsoft-com:vml" Requires="v">
-                <p:oleObj spid="_x0000_s1075" name="Equation" r:id="rId4" imgW="126720" imgH="190440" progId="Equation.DSMT4">
+                <p:oleObj spid="_x0000_s1077" name="Equation" r:id="rId4" imgW="126720" imgH="190440" progId="Equation.DSMT4">
                   <p:embed/>
                 </p:oleObj>
               </mc:Choice>
@@ -14266,7 +14304,7 @@
           <a:graphicData uri="http://schemas.openxmlformats.org/presentationml/2006/ole">
             <mc:AlternateContent xmlns:mc="http://schemas.openxmlformats.org/markup-compatibility/2006">
               <mc:Choice xmlns:v="urn:schemas-microsoft-com:vml" Requires="v">
-                <p:oleObj spid="_x0000_s1076" name="Equation" r:id="rId6" imgW="2044700" imgH="647700" progId="Equation.3">
+                <p:oleObj spid="_x0000_s1078" name="Equation" r:id="rId6" imgW="2044700" imgH="647700" progId="Equation.3">
                   <p:embed/>
                 </p:oleObj>
               </mc:Choice>
@@ -14525,7 +14563,7 @@
           <a:graphicData uri="http://schemas.openxmlformats.org/presentationml/2006/ole">
             <mc:AlternateContent xmlns:mc="http://schemas.openxmlformats.org/markup-compatibility/2006">
               <mc:Choice xmlns:v="urn:schemas-microsoft-com:vml" Requires="v">
-                <p:oleObj spid="_x0000_s2099" name="Equation" r:id="rId4" imgW="126720" imgH="190440" progId="Equation.DSMT4">
+                <p:oleObj spid="_x0000_s2101" name="Equation" r:id="rId4" imgW="126720" imgH="190440" progId="Equation.DSMT4">
                   <p:embed/>
                 </p:oleObj>
               </mc:Choice>
@@ -14595,7 +14633,7 @@
           <a:graphicData uri="http://schemas.openxmlformats.org/presentationml/2006/ole">
             <mc:AlternateContent xmlns:mc="http://schemas.openxmlformats.org/markup-compatibility/2006">
               <mc:Choice xmlns:v="urn:schemas-microsoft-com:vml" Requires="v">
-                <p:oleObj spid="_x0000_s2100" name="Equation" r:id="rId6" imgW="2044700" imgH="812800" progId="Equation.3">
+                <p:oleObj spid="_x0000_s2102" name="Equation" r:id="rId6" imgW="2044700" imgH="812800" progId="Equation.3">
                   <p:embed/>
                 </p:oleObj>
               </mc:Choice>
@@ -14751,7 +14789,7 @@
           <a:graphicData uri="http://schemas.openxmlformats.org/presentationml/2006/ole">
             <mc:AlternateContent xmlns:mc="http://schemas.openxmlformats.org/markup-compatibility/2006">
               <mc:Choice xmlns:v="urn:schemas-microsoft-com:vml" Requires="v">
-                <p:oleObj spid="_x0000_s9275" name="Equation" r:id="rId4" imgW="990600" imgH="292100" progId="Equation.DSMT4">
+                <p:oleObj spid="_x0000_s9284" name="Equation" r:id="rId4" imgW="990600" imgH="292100" progId="Equation.DSMT4">
                   <p:embed/>
                 </p:oleObj>
               </mc:Choice>
@@ -14808,7 +14846,7 @@
           <a:graphicData uri="http://schemas.openxmlformats.org/presentationml/2006/ole">
             <mc:AlternateContent xmlns:mc="http://schemas.openxmlformats.org/markup-compatibility/2006">
               <mc:Choice xmlns:v="urn:schemas-microsoft-com:vml" Requires="v">
-                <p:oleObj spid="_x0000_s9276" name="Equation" r:id="rId6" imgW="1130300" imgH="292100" progId="Equation.DSMT4">
+                <p:oleObj spid="_x0000_s9285" name="Equation" r:id="rId6" imgW="1130300" imgH="292100" progId="Equation.DSMT4">
                   <p:embed/>
                 </p:oleObj>
               </mc:Choice>
@@ -14852,20 +14890,20 @@
           <p:nvPr>
             <p:extLst>
               <p:ext uri="{D42A27DB-BD31-4B8C-83A1-F6EECF244321}">
-                <p14:modId xmlns:p14="http://schemas.microsoft.com/office/powerpoint/2010/main" val="1250611878"/>
+                <p14:modId xmlns:p14="http://schemas.microsoft.com/office/powerpoint/2010/main" val="3767303009"/>
               </p:ext>
             </p:extLst>
           </p:nvPr>
         </p:nvGraphicFramePr>
         <p:xfrm>
-          <a:off x="1905000" y="3441843"/>
+          <a:off x="2133600" y="3441843"/>
           <a:ext cx="5257800" cy="1358757"/>
         </p:xfrm>
         <a:graphic>
           <a:graphicData uri="http://schemas.openxmlformats.org/presentationml/2006/ole">
             <mc:AlternateContent xmlns:mc="http://schemas.openxmlformats.org/markup-compatibility/2006">
               <mc:Choice xmlns:v="urn:schemas-microsoft-com:vml" Requires="v">
-                <p:oleObj spid="_x0000_s9277" name="Equation" r:id="rId8" imgW="1130300" imgH="292100" progId="Equation.DSMT4">
+                <p:oleObj spid="_x0000_s9286" name="Equation" r:id="rId8" imgW="1130300" imgH="292100" progId="Equation.DSMT4">
                   <p:embed/>
                 </p:oleObj>
               </mc:Choice>
@@ -14886,7 +14924,7 @@
                     </p:blipFill>
                     <p:spPr>
                       <a:xfrm>
-                        <a:off x="1905000" y="3441843"/>
+                        <a:off x="2133600" y="3441843"/>
                         <a:ext cx="5257800" cy="1358757"/>
                       </a:xfrm>
                       <a:prstGeom prst="rect">
@@ -14908,8 +14946,8 @@
         </p:nvSpPr>
         <p:spPr>
           <a:xfrm>
-            <a:off x="1447800" y="4876800"/>
-            <a:ext cx="6118973" cy="1446550"/>
+            <a:off x="304800" y="4724400"/>
+            <a:ext cx="8410992" cy="1446550"/>
           </a:xfrm>
           <a:prstGeom prst="rect">
             <a:avLst/>
@@ -14923,11 +14961,16 @@
           <a:lstStyle/>
           <a:p>
             <a:r>
+              <a:rPr lang="en-US" sz="6600" dirty="0" smtClean="0">
+                <a:latin typeface="Comic Sans MS"/>
+                <a:cs typeface="Comic Sans MS"/>
+              </a:rPr>
+              <a:t>(use </a:t>
+            </a:r>
+            <a:r>
               <a:rPr lang="en-US" sz="6600" b="1" dirty="0" smtClean="0">
                 <a:solidFill>
-                  <a:schemeClr val="accent1">
-                    <a:lumMod val="50000"/>
-                  </a:schemeClr>
+                  <a:srgbClr val="FF00FF"/>
                 </a:solidFill>
                 <a:latin typeface="Euclid Symbol" charset="2"/>
                 <a:cs typeface="Euclid Symbol" charset="2"/>
@@ -14949,6 +14992,13 @@
                 <a:cs typeface="Euclid Symbol" charset="2"/>
               </a:rPr>
               <a:t>≡</a:t>
+            </a:r>
+            <a:r>
+              <a:rPr lang="en-US" sz="6600" dirty="0" smtClean="0">
+                <a:latin typeface="Comic Sans MS"/>
+                <a:cs typeface="Comic Sans MS"/>
+              </a:rPr>
+              <a:t>)</a:t>
             </a:r>
             <a:r>
               <a:rPr lang="en-US" sz="8800" dirty="0" smtClean="0">
@@ -15104,6 +15154,59 @@
                       </p:childTnLst>
                     </p:cTn>
                   </p:par>
+                  <p:par>
+                    <p:cTn id="13" fill="hold">
+                      <p:stCondLst>
+                        <p:cond delay="indefinite"/>
+                      </p:stCondLst>
+                      <p:childTnLst>
+                        <p:par>
+                          <p:cTn id="14" fill="hold">
+                            <p:stCondLst>
+                              <p:cond delay="0"/>
+                            </p:stCondLst>
+                            <p:childTnLst>
+                              <p:par>
+                                <p:cTn id="15" presetID="10" presetClass="entr" presetSubtype="0" fill="hold" grpId="0" nodeType="clickEffect">
+                                  <p:stCondLst>
+                                    <p:cond delay="0"/>
+                                  </p:stCondLst>
+                                  <p:childTnLst>
+                                    <p:set>
+                                      <p:cBhvr>
+                                        <p:cTn id="16" dur="1" fill="hold">
+                                          <p:stCondLst>
+                                            <p:cond delay="0"/>
+                                          </p:stCondLst>
+                                        </p:cTn>
+                                        <p:tgtEl>
+                                          <p:spTgt spid="2"/>
+                                        </p:tgtEl>
+                                        <p:attrNameLst>
+                                          <p:attrName>style.visibility</p:attrName>
+                                        </p:attrNameLst>
+                                      </p:cBhvr>
+                                      <p:to>
+                                        <p:strVal val="visible"/>
+                                      </p:to>
+                                    </p:set>
+                                    <p:animEffect transition="in" filter="fade">
+                                      <p:cBhvr>
+                                        <p:cTn id="17" dur="500"/>
+                                        <p:tgtEl>
+                                          <p:spTgt spid="2"/>
+                                        </p:tgtEl>
+                                      </p:cBhvr>
+                                    </p:animEffect>
+                                  </p:childTnLst>
+                                </p:cTn>
+                              </p:par>
+                            </p:childTnLst>
+                          </p:cTn>
+                        </p:par>
+                      </p:childTnLst>
+                    </p:cTn>
+                  </p:par>
                 </p:childTnLst>
               </p:cTn>
               <p:prevCondLst>
@@ -15125,6 +15228,9 @@
         </p:cTn>
       </p:par>
     </p:tnLst>
+    <p:bldLst>
+      <p:bldP spid="2" grpId="0"/>
+    </p:bldLst>
   </p:timing>
 </p:sld>
 </file>
@@ -15162,7 +15268,7 @@
           <a:graphicData uri="http://schemas.openxmlformats.org/presentationml/2006/ole">
             <mc:AlternateContent xmlns:mc="http://schemas.openxmlformats.org/markup-compatibility/2006">
               <mc:Choice xmlns:v="urn:schemas-microsoft-com:vml" Requires="v">
-                <p:oleObj spid="_x0000_s3123" name="Equation" r:id="rId4" imgW="2031840" imgH="736560" progId="Equation.DSMT4">
+                <p:oleObj spid="_x0000_s3125" name="Equation" r:id="rId4" imgW="2031840" imgH="736560" progId="Equation.DSMT4">
                   <p:embed/>
                 </p:oleObj>
               </mc:Choice>
@@ -15286,7 +15392,7 @@
           <a:graphicData uri="http://schemas.openxmlformats.org/presentationml/2006/ole">
             <mc:AlternateContent xmlns:mc="http://schemas.openxmlformats.org/markup-compatibility/2006">
               <mc:Choice xmlns:v="urn:schemas-microsoft-com:vml" Requires="v">
-                <p:oleObj spid="_x0000_s3124" name="Equation" r:id="rId6" imgW="126720" imgH="190440" progId="Equation.3">
+                <p:oleObj spid="_x0000_s3126" name="Equation" r:id="rId6" imgW="126720" imgH="190440" progId="Equation.3">
                   <p:embed/>
                 </p:oleObj>
               </mc:Choice>
@@ -15713,7 +15819,7 @@
           <a:graphicData uri="http://schemas.openxmlformats.org/presentationml/2006/ole">
             <mc:AlternateContent xmlns:mc="http://schemas.openxmlformats.org/markup-compatibility/2006">
               <mc:Choice xmlns:v="urn:schemas-microsoft-com:vml" Requires="v">
-                <p:oleObj spid="_x0000_s4167" name="Equation" r:id="rId4" imgW="126720" imgH="190440" progId="Equation.DSMT4">
+                <p:oleObj spid="_x0000_s4170" name="Equation" r:id="rId4" imgW="126720" imgH="190440" progId="Equation.DSMT4">
                   <p:embed/>
                 </p:oleObj>
               </mc:Choice>
@@ -15783,7 +15889,7 @@
           <a:graphicData uri="http://schemas.openxmlformats.org/presentationml/2006/ole">
             <mc:AlternateContent xmlns:mc="http://schemas.openxmlformats.org/markup-compatibility/2006">
               <mc:Choice xmlns:v="urn:schemas-microsoft-com:vml" Requires="v">
-                <p:oleObj spid="_x0000_s4168" name="Equation" r:id="rId6" imgW="393480" imgH="342720" progId="Equation.DSMT4">
+                <p:oleObj spid="_x0000_s4171" name="Equation" r:id="rId6" imgW="393480" imgH="342720" progId="Equation.DSMT4">
                   <p:embed/>
                 </p:oleObj>
               </mc:Choice>
@@ -15853,7 +15959,7 @@
           <a:graphicData uri="http://schemas.openxmlformats.org/presentationml/2006/ole">
             <mc:AlternateContent xmlns:mc="http://schemas.openxmlformats.org/markup-compatibility/2006">
               <mc:Choice xmlns:v="urn:schemas-microsoft-com:vml" Requires="v">
-                <p:oleObj spid="_x0000_s4169" name="Equation" r:id="rId8" imgW="1917360" imgH="711000" progId="Equation.3">
+                <p:oleObj spid="_x0000_s4172" name="Equation" r:id="rId8" imgW="1917360" imgH="711000" progId="Equation.3">
                   <p:embed/>
                 </p:oleObj>
               </mc:Choice>
@@ -16539,7 +16645,7 @@
           <a:graphicData uri="http://schemas.openxmlformats.org/presentationml/2006/ole">
             <mc:AlternateContent xmlns:mc="http://schemas.openxmlformats.org/markup-compatibility/2006">
               <mc:Choice xmlns:v="urn:schemas-microsoft-com:vml" Requires="v">
-                <p:oleObj spid="_x0000_s12330" name="Equation" r:id="rId4" imgW="1701800" imgH="558800" progId="Equation.DSMT4">
+                <p:oleObj spid="_x0000_s12332" name="Equation" r:id="rId4" imgW="1701800" imgH="558800" progId="Equation.DSMT4">
                   <p:embed/>
                 </p:oleObj>
               </mc:Choice>
@@ -16596,7 +16702,7 @@
           <a:graphicData uri="http://schemas.openxmlformats.org/presentationml/2006/ole">
             <mc:AlternateContent xmlns:mc="http://schemas.openxmlformats.org/markup-compatibility/2006">
               <mc:Choice xmlns:v="urn:schemas-microsoft-com:vml" Requires="v">
-                <p:oleObj spid="_x0000_s12331" name="Equation" r:id="rId6" imgW="889000" imgH="292100" progId="Equation.DSMT4">
+                <p:oleObj spid="_x0000_s12333" name="Equation" r:id="rId6" imgW="889000" imgH="292100" progId="Equation.DSMT4">
                   <p:embed/>
                 </p:oleObj>
               </mc:Choice>
@@ -16834,7 +16940,7 @@
           <a:graphicData uri="http://schemas.openxmlformats.org/presentationml/2006/ole">
             <mc:AlternateContent xmlns:mc="http://schemas.openxmlformats.org/markup-compatibility/2006">
               <mc:Choice xmlns:v="urn:schemas-microsoft-com:vml" Requires="v">
-                <p:oleObj spid="_x0000_s10290" name="Equation" r:id="rId4" imgW="1473200" imgH="482600" progId="Equation.DSMT4">
+                <p:oleObj spid="_x0000_s10292" name="Equation" r:id="rId4" imgW="1473200" imgH="482600" progId="Equation.DSMT4">
                   <p:embed/>
                 </p:oleObj>
               </mc:Choice>
@@ -16929,7 +17035,7 @@
           <a:graphicData uri="http://schemas.openxmlformats.org/presentationml/2006/ole">
             <mc:AlternateContent xmlns:mc="http://schemas.openxmlformats.org/markup-compatibility/2006">
               <mc:Choice xmlns:v="urn:schemas-microsoft-com:vml" Requires="v">
-                <p:oleObj spid="_x0000_s10291" name="Equation" r:id="rId6" imgW="1562100" imgH="304800" progId="Equation.3">
+                <p:oleObj spid="_x0000_s10293" name="Equation" r:id="rId6" imgW="1562100" imgH="304800" progId="Equation.3">
                   <p:embed/>
                 </p:oleObj>
               </mc:Choice>
@@ -17346,7 +17452,7 @@
           <a:graphicData uri="http://schemas.openxmlformats.org/presentationml/2006/ole">
             <mc:AlternateContent xmlns:mc="http://schemas.openxmlformats.org/markup-compatibility/2006">
               <mc:Choice xmlns:v="urn:schemas-microsoft-com:vml" Requires="v">
-                <p:oleObj spid="_x0000_s8241" name="Equation" r:id="rId4" imgW="444500" imgH="304800" progId="Equation.3">
+                <p:oleObj spid="_x0000_s8243" name="Equation" r:id="rId4" imgW="444500" imgH="304800" progId="Equation.3">
                   <p:embed/>
                 </p:oleObj>
               </mc:Choice>
@@ -17403,7 +17509,7 @@
           <a:graphicData uri="http://schemas.openxmlformats.org/presentationml/2006/ole">
             <mc:AlternateContent xmlns:mc="http://schemas.openxmlformats.org/markup-compatibility/2006">
               <mc:Choice xmlns:v="urn:schemas-microsoft-com:vml" Requires="v">
-                <p:oleObj spid="_x0000_s8242" name="Equation" r:id="rId6" imgW="2616200" imgH="914400" progId="Equation.DSMT4">
+                <p:oleObj spid="_x0000_s8244" name="Equation" r:id="rId6" imgW="2616200" imgH="914400" progId="Equation.DSMT4">
                   <p:embed/>
                 </p:oleObj>
               </mc:Choice>
@@ -17814,7 +17920,7 @@
           <a:graphicData uri="http://schemas.openxmlformats.org/presentationml/2006/ole">
             <mc:AlternateContent xmlns:mc="http://schemas.openxmlformats.org/markup-compatibility/2006">
               <mc:Choice xmlns:v="urn:schemas-microsoft-com:vml" Requires="v">
-                <p:oleObj spid="_x0000_s43016" name="Equation" r:id="rId4" imgW="2616200" imgH="914400" progId="Equation.DSMT4">
+                <p:oleObj spid="_x0000_s43017" name="Equation" r:id="rId4" imgW="2616200" imgH="914400" progId="Equation.DSMT4">
                   <p:embed/>
                 </p:oleObj>
               </mc:Choice>
@@ -17911,7 +18017,7 @@
           <a:graphicData uri="http://schemas.openxmlformats.org/presentationml/2006/ole">
             <mc:AlternateContent xmlns:mc="http://schemas.openxmlformats.org/markup-compatibility/2006">
               <mc:Choice xmlns:v="urn:schemas-microsoft-com:vml" Requires="v">
-                <p:oleObj spid="_x0000_s11313" name="Equation" r:id="rId4" imgW="2336800" imgH="914400" progId="Equation.DSMT4">
+                <p:oleObj spid="_x0000_s11314" name="Equation" r:id="rId4" imgW="2336800" imgH="914400" progId="Equation.DSMT4">
                   <p:embed/>
                 </p:oleObj>
               </mc:Choice>
@@ -18403,7 +18509,7 @@
           <a:graphicData uri="http://schemas.openxmlformats.org/presentationml/2006/ole">
             <mc:AlternateContent xmlns:mc="http://schemas.openxmlformats.org/markup-compatibility/2006">
               <mc:Choice xmlns:v="urn:schemas-microsoft-com:vml" Requires="v">
-                <p:oleObj spid="_x0000_s13374" name="Equation" r:id="rId4" imgW="139700" imgH="215900" progId="Equation.DSMT4">
+                <p:oleObj spid="_x0000_s13376" name="Equation" r:id="rId4" imgW="139700" imgH="215900" progId="Equation.DSMT4">
                   <p:embed/>
                 </p:oleObj>
               </mc:Choice>
@@ -18460,7 +18566,7 @@
           <a:graphicData uri="http://schemas.openxmlformats.org/presentationml/2006/ole">
             <mc:AlternateContent xmlns:mc="http://schemas.openxmlformats.org/markup-compatibility/2006">
               <mc:Choice xmlns:v="urn:schemas-microsoft-com:vml" Requires="v">
-                <p:oleObj spid="_x0000_s13375" name="Equation" r:id="rId6" imgW="1257300" imgH="685800" progId="Equation.DSMT4">
+                <p:oleObj spid="_x0000_s13377" name="Equation" r:id="rId6" imgW="1257300" imgH="685800" progId="Equation.DSMT4">
                   <p:embed/>
                 </p:oleObj>
               </mc:Choice>
